--- a/slides/July5/July5_combined.pptx
+++ b/slides/July5/July5_combined.pptx
@@ -5,7 +5,7 @@
     <p:sldMasterId id="2147483648" r:id="rId1"/>
   </p:sldMasterIdLst>
   <p:notesMasterIdLst>
-    <p:notesMasterId r:id="rId24"/>
+    <p:notesMasterId r:id="rId25"/>
   </p:notesMasterIdLst>
   <p:sldIdLst>
     <p:sldId id="256" r:id="rId2"/>
@@ -21,15 +21,16 @@
     <p:sldId id="1138" r:id="rId12"/>
     <p:sldId id="1136" r:id="rId13"/>
     <p:sldId id="1134" r:id="rId14"/>
-    <p:sldId id="269" r:id="rId15"/>
-    <p:sldId id="270" r:id="rId16"/>
-    <p:sldId id="271" r:id="rId17"/>
-    <p:sldId id="272" r:id="rId18"/>
-    <p:sldId id="273" r:id="rId19"/>
-    <p:sldId id="274" r:id="rId20"/>
-    <p:sldId id="275" r:id="rId21"/>
-    <p:sldId id="276" r:id="rId22"/>
-    <p:sldId id="277" r:id="rId23"/>
+    <p:sldId id="1141" r:id="rId15"/>
+    <p:sldId id="257" r:id="rId16"/>
+    <p:sldId id="1142" r:id="rId17"/>
+    <p:sldId id="258" r:id="rId18"/>
+    <p:sldId id="261" r:id="rId19"/>
+    <p:sldId id="262" r:id="rId20"/>
+    <p:sldId id="1143" r:id="rId21"/>
+    <p:sldId id="1144" r:id="rId22"/>
+    <p:sldId id="1145" r:id="rId23"/>
+    <p:sldId id="266" r:id="rId24"/>
   </p:sldIdLst>
   <p:sldSz cx="12192000" cy="6858000"/>
   <p:notesSz cx="6858000" cy="9144000"/>
@@ -490,7 +491,7 @@
   <p:cSld>
     <p:spTree>
       <p:nvGrpSpPr>
-        <p:cNvPr id="1" name="Shape 194"/>
+        <p:cNvPr id="1" name="Shape 72"/>
         <p:cNvGrpSpPr/>
         <p:nvPr/>
       </p:nvGrpSpPr>
@@ -504,7 +505,319 @@
       </p:grpSpPr>
       <p:sp>
         <p:nvSpPr>
-          <p:cNvPr id="195" name="Google Shape;195;p:notes"/>
+          <p:cNvPr id="73" name="Google Shape;73;p:notes"/>
+          <p:cNvSpPr>
+            <a:spLocks noGrp="1" noRot="1" noChangeAspect="1"/>
+          </p:cNvSpPr>
+          <p:nvPr>
+            <p:ph type="sldImg" idx="2"/>
+          </p:nvPr>
+        </p:nvSpPr>
+        <p:spPr>
+          <a:xfrm>
+            <a:off x="381300" y="685800"/>
+            <a:ext cx="6096075" cy="3429000"/>
+          </a:xfrm>
+          <a:custGeom>
+            <a:avLst/>
+            <a:gdLst/>
+            <a:ahLst/>
+            <a:cxnLst/>
+            <a:rect l="l" t="t" r="r" b="b"/>
+            <a:pathLst>
+              <a:path w="120000" h="120000" extrusionOk="0">
+                <a:moveTo>
+                  <a:pt x="0" y="0"/>
+                </a:moveTo>
+                <a:lnTo>
+                  <a:pt x="120000" y="0"/>
+                </a:lnTo>
+                <a:lnTo>
+                  <a:pt x="120000" y="120000"/>
+                </a:lnTo>
+                <a:lnTo>
+                  <a:pt x="0" y="120000"/>
+                </a:lnTo>
+                <a:close/>
+              </a:path>
+            </a:pathLst>
+          </a:custGeom>
+        </p:spPr>
+      </p:sp>
+      <p:sp>
+        <p:nvSpPr>
+          <p:cNvPr id="74" name="Google Shape;74;p:notes"/>
+          <p:cNvSpPr txBox="1">
+            <a:spLocks noGrp="1"/>
+          </p:cNvSpPr>
+          <p:nvPr>
+            <p:ph type="body" idx="1"/>
+          </p:nvPr>
+        </p:nvSpPr>
+        <p:spPr>
+          <a:xfrm>
+            <a:off x="685800" y="4343400"/>
+            <a:ext cx="5486400" cy="4114800"/>
+          </a:xfrm>
+          <a:prstGeom prst="rect">
+            <a:avLst/>
+          </a:prstGeom>
+        </p:spPr>
+        <p:txBody>
+          <a:bodyPr spcFirstLastPara="1" wrap="square" lIns="91425" tIns="91425" rIns="91425" bIns="91425" anchor="t" anchorCtr="0">
+            <a:noAutofit/>
+          </a:bodyPr>
+          <a:lstStyle/>
+          <a:p>
+            <a:pPr marL="0" lvl="0" indent="0" algn="l" rtl="0">
+              <a:spcBef>
+                <a:spcPts val="0"/>
+              </a:spcBef>
+              <a:spcAft>
+                <a:spcPts val="0"/>
+              </a:spcAft>
+              <a:buNone/>
+            </a:pPr>
+            <a:endParaRPr/>
+          </a:p>
+        </p:txBody>
+      </p:sp>
+    </p:spTree>
+  </p:cSld>
+  <p:clrMapOvr>
+    <a:masterClrMapping/>
+  </p:clrMapOvr>
+</p:notes>
+</file>
+
+<file path=ppt/notesSlides/notesSlide10.xml><?xml version="1.0" encoding="utf-8"?>
+<p:notes xmlns:a="http://schemas.openxmlformats.org/drawingml/2006/main" xmlns:r="http://schemas.openxmlformats.org/officeDocument/2006/relationships" xmlns:p="http://schemas.openxmlformats.org/presentationml/2006/main" showMasterSp="0" showMasterPhAnim="0">
+  <p:cSld>
+    <p:spTree>
+      <p:nvGrpSpPr>
+        <p:cNvPr id="1" name="Shape 151"/>
+        <p:cNvGrpSpPr/>
+        <p:nvPr/>
+      </p:nvGrpSpPr>
+      <p:grpSpPr>
+        <a:xfrm>
+          <a:off x="0" y="0"/>
+          <a:ext cx="0" cy="0"/>
+          <a:chOff x="0" y="0"/>
+          <a:chExt cx="0" cy="0"/>
+        </a:xfrm>
+      </p:grpSpPr>
+      <p:sp>
+        <p:nvSpPr>
+          <p:cNvPr id="152" name="Google Shape;152;g1e476c8e583_0_68:notes"/>
+          <p:cNvSpPr txBox="1">
+            <a:spLocks noGrp="1"/>
+          </p:cNvSpPr>
+          <p:nvPr>
+            <p:ph type="body" idx="1"/>
+          </p:nvPr>
+        </p:nvSpPr>
+        <p:spPr>
+          <a:xfrm>
+            <a:off x="685800" y="4400550"/>
+            <a:ext cx="5486400" cy="3600600"/>
+          </a:xfrm>
+          <a:prstGeom prst="rect">
+            <a:avLst/>
+          </a:prstGeom>
+        </p:spPr>
+        <p:txBody>
+          <a:bodyPr spcFirstLastPara="1" wrap="square" lIns="91425" tIns="91425" rIns="91425" bIns="91425" anchor="t" anchorCtr="0">
+            <a:noAutofit/>
+          </a:bodyPr>
+          <a:lstStyle/>
+          <a:p>
+            <a:pPr marL="0" lvl="0" indent="0" algn="l" rtl="0">
+              <a:spcBef>
+                <a:spcPts val="0"/>
+              </a:spcBef>
+              <a:spcAft>
+                <a:spcPts val="0"/>
+              </a:spcAft>
+              <a:buNone/>
+            </a:pPr>
+            <a:endParaRPr/>
+          </a:p>
+        </p:txBody>
+      </p:sp>
+      <p:sp>
+        <p:nvSpPr>
+          <p:cNvPr id="153" name="Google Shape;153;g1e476c8e583_0_68:notes"/>
+          <p:cNvSpPr>
+            <a:spLocks noGrp="1" noRot="1" noChangeAspect="1"/>
+          </p:cNvSpPr>
+          <p:nvPr>
+            <p:ph type="sldImg" idx="2"/>
+          </p:nvPr>
+        </p:nvSpPr>
+        <p:spPr>
+          <a:xfrm>
+            <a:off x="685800" y="1143000"/>
+            <a:ext cx="5486400" cy="3086100"/>
+          </a:xfrm>
+          <a:custGeom>
+            <a:avLst/>
+            <a:gdLst/>
+            <a:ahLst/>
+            <a:cxnLst/>
+            <a:rect l="l" t="t" r="r" b="b"/>
+            <a:pathLst>
+              <a:path w="120000" h="120000" extrusionOk="0">
+                <a:moveTo>
+                  <a:pt x="0" y="0"/>
+                </a:moveTo>
+                <a:lnTo>
+                  <a:pt x="120000" y="0"/>
+                </a:lnTo>
+                <a:lnTo>
+                  <a:pt x="120000" y="120000"/>
+                </a:lnTo>
+                <a:lnTo>
+                  <a:pt x="0" y="120000"/>
+                </a:lnTo>
+                <a:close/>
+              </a:path>
+            </a:pathLst>
+          </a:custGeom>
+        </p:spPr>
+      </p:sp>
+    </p:spTree>
+  </p:cSld>
+  <p:clrMapOvr>
+    <a:masterClrMapping/>
+  </p:clrMapOvr>
+</p:notes>
+</file>
+
+<file path=ppt/notesSlides/notesSlide2.xml><?xml version="1.0" encoding="utf-8"?>
+<p:notes xmlns:a="http://schemas.openxmlformats.org/drawingml/2006/main" xmlns:r="http://schemas.openxmlformats.org/officeDocument/2006/relationships" xmlns:p="http://schemas.openxmlformats.org/presentationml/2006/main" showMasterSp="0" showMasterPhAnim="0">
+  <p:cSld>
+    <p:spTree>
+      <p:nvGrpSpPr>
+        <p:cNvPr id="1" name="Shape 78"/>
+        <p:cNvGrpSpPr/>
+        <p:nvPr/>
+      </p:nvGrpSpPr>
+      <p:grpSpPr>
+        <a:xfrm>
+          <a:off x="0" y="0"/>
+          <a:ext cx="0" cy="0"/>
+          <a:chOff x="0" y="0"/>
+          <a:chExt cx="0" cy="0"/>
+        </a:xfrm>
+      </p:grpSpPr>
+      <p:sp>
+        <p:nvSpPr>
+          <p:cNvPr id="79" name="Google Shape;79;g1e476c8e583_0_22:notes"/>
+          <p:cNvSpPr txBox="1">
+            <a:spLocks noGrp="1"/>
+          </p:cNvSpPr>
+          <p:nvPr>
+            <p:ph type="body" idx="1"/>
+          </p:nvPr>
+        </p:nvSpPr>
+        <p:spPr>
+          <a:xfrm>
+            <a:off x="685800" y="4400550"/>
+            <a:ext cx="5486400" cy="3600600"/>
+          </a:xfrm>
+          <a:prstGeom prst="rect">
+            <a:avLst/>
+          </a:prstGeom>
+        </p:spPr>
+        <p:txBody>
+          <a:bodyPr spcFirstLastPara="1" wrap="square" lIns="91425" tIns="91425" rIns="91425" bIns="91425" anchor="t" anchorCtr="0">
+            <a:noAutofit/>
+          </a:bodyPr>
+          <a:lstStyle/>
+          <a:p>
+            <a:pPr marL="0" lvl="0" indent="0" algn="l" rtl="0">
+              <a:spcBef>
+                <a:spcPts val="0"/>
+              </a:spcBef>
+              <a:spcAft>
+                <a:spcPts val="0"/>
+              </a:spcAft>
+              <a:buNone/>
+            </a:pPr>
+            <a:endParaRPr/>
+          </a:p>
+        </p:txBody>
+      </p:sp>
+      <p:sp>
+        <p:nvSpPr>
+          <p:cNvPr id="80" name="Google Shape;80;g1e476c8e583_0_22:notes"/>
+          <p:cNvSpPr>
+            <a:spLocks noGrp="1" noRot="1" noChangeAspect="1"/>
+          </p:cNvSpPr>
+          <p:nvPr>
+            <p:ph type="sldImg" idx="2"/>
+          </p:nvPr>
+        </p:nvSpPr>
+        <p:spPr>
+          <a:xfrm>
+            <a:off x="685800" y="1143000"/>
+            <a:ext cx="5486400" cy="3086100"/>
+          </a:xfrm>
+          <a:custGeom>
+            <a:avLst/>
+            <a:gdLst/>
+            <a:ahLst/>
+            <a:cxnLst/>
+            <a:rect l="l" t="t" r="r" b="b"/>
+            <a:pathLst>
+              <a:path w="120000" h="120000" extrusionOk="0">
+                <a:moveTo>
+                  <a:pt x="0" y="0"/>
+                </a:moveTo>
+                <a:lnTo>
+                  <a:pt x="120000" y="0"/>
+                </a:lnTo>
+                <a:lnTo>
+                  <a:pt x="120000" y="120000"/>
+                </a:lnTo>
+                <a:lnTo>
+                  <a:pt x="0" y="120000"/>
+                </a:lnTo>
+                <a:close/>
+              </a:path>
+            </a:pathLst>
+          </a:custGeom>
+        </p:spPr>
+      </p:sp>
+    </p:spTree>
+  </p:cSld>
+  <p:clrMapOvr>
+    <a:masterClrMapping/>
+  </p:clrMapOvr>
+</p:notes>
+</file>
+
+<file path=ppt/notesSlides/notesSlide3.xml><?xml version="1.0" encoding="utf-8"?>
+<p:notes xmlns:a="http://schemas.openxmlformats.org/drawingml/2006/main" xmlns:r="http://schemas.openxmlformats.org/officeDocument/2006/relationships" xmlns:p="http://schemas.openxmlformats.org/presentationml/2006/main" showMasterSp="0" showMasterPhAnim="0">
+  <p:cSld>
+    <p:spTree>
+      <p:nvGrpSpPr>
+        <p:cNvPr id="1" name="Shape 105"/>
+        <p:cNvGrpSpPr/>
+        <p:nvPr/>
+      </p:nvGrpSpPr>
+      <p:grpSpPr>
+        <a:xfrm>
+          <a:off x="0" y="0"/>
+          <a:ext cx="0" cy="0"/>
+          <a:chOff x="0" y="0"/>
+          <a:chExt cx="0" cy="0"/>
+        </a:xfrm>
+      </p:grpSpPr>
+      <p:sp>
+        <p:nvSpPr>
+          <p:cNvPr id="106" name="Google Shape;106;g1e476c8e583_0_0:notes"/>
           <p:cNvSpPr>
             <a:spLocks noGrp="1" noRot="1" noChangeAspect="1"/>
           </p:cNvSpPr>
@@ -545,7 +858,7 @@
       </p:sp>
       <p:sp>
         <p:nvSpPr>
-          <p:cNvPr id="196" name="Google Shape;196;p:notes"/>
+          <p:cNvPr id="107" name="Google Shape;107;g1e476c8e583_0_0:notes"/>
           <p:cNvSpPr txBox="1">
             <a:spLocks noGrp="1"/>
           </p:cNvSpPr>
@@ -567,6 +880,92 @@
             <a:noAutofit/>
           </a:bodyPr>
           <a:lstStyle/>
+          <a:p>
+            <a:pPr marL="0" lvl="0" indent="0" algn="l" rtl="0">
+              <a:spcBef>
+                <a:spcPts val="0"/>
+              </a:spcBef>
+              <a:spcAft>
+                <a:spcPts val="0"/>
+              </a:spcAft>
+              <a:buClr>
+                <a:schemeClr val="dk1"/>
+              </a:buClr>
+              <a:buSzPts val="1100"/>
+              <a:buFont typeface="Arial"/>
+              <a:buNone/>
+            </a:pPr>
+            <a:r>
+              <a:rPr lang="en-GB">
+                <a:solidFill>
+                  <a:schemeClr val="dk1"/>
+                </a:solidFill>
+              </a:rPr>
+              <a:t>No asymmetry of time - how to reduce to a soundbite</a:t>
+            </a:r>
+            <a:endParaRPr>
+              <a:solidFill>
+                <a:schemeClr val="dk1"/>
+              </a:solidFill>
+            </a:endParaRPr>
+          </a:p>
+          <a:p>
+            <a:pPr marL="457200" lvl="0" indent="-298450" algn="l" rtl="0">
+              <a:spcBef>
+                <a:spcPts val="0"/>
+              </a:spcBef>
+              <a:spcAft>
+                <a:spcPts val="0"/>
+              </a:spcAft>
+              <a:buClr>
+                <a:schemeClr val="dk1"/>
+              </a:buClr>
+              <a:buSzPts val="1100"/>
+              <a:buChar char="-"/>
+            </a:pPr>
+            <a:r>
+              <a:rPr lang="en-GB">
+                <a:solidFill>
+                  <a:schemeClr val="dk1"/>
+                </a:solidFill>
+              </a:rPr>
+              <a:t>Audience soundbites</a:t>
+            </a:r>
+            <a:endParaRPr>
+              <a:solidFill>
+                <a:schemeClr val="dk1"/>
+              </a:solidFill>
+            </a:endParaRPr>
+          </a:p>
+          <a:p>
+            <a:pPr marL="0" lvl="0" indent="0" algn="l" rtl="0">
+              <a:spcBef>
+                <a:spcPts val="0"/>
+              </a:spcBef>
+              <a:spcAft>
+                <a:spcPts val="0"/>
+              </a:spcAft>
+              <a:buClr>
+                <a:schemeClr val="dk1"/>
+              </a:buClr>
+              <a:buSzPts val="1100"/>
+              <a:buFont typeface="Arial"/>
+              <a:buNone/>
+            </a:pPr>
+            <a:r>
+              <a:rPr lang="en-GB">
+                <a:solidFill>
+                  <a:schemeClr val="dk1"/>
+                </a:solidFill>
+              </a:rPr>
+              <a:t>‘Almost all studies in ml do test-train split’ that’s a bad idea when you have time</a:t>
+            </a:r>
+            <a:endParaRPr>
+              <a:solidFill>
+                <a:schemeClr val="dk1"/>
+              </a:solidFill>
+            </a:endParaRPr>
+          </a:p>
           <a:p>
             <a:pPr marL="0" lvl="0" indent="0" algn="l" rtl="0">
               <a:spcBef>
@@ -589,12 +988,12 @@
 </p:notes>
 </file>
 
-<file path=ppt/notesSlides/notesSlide2.xml><?xml version="1.0" encoding="utf-8"?>
+<file path=ppt/notesSlides/notesSlide4.xml><?xml version="1.0" encoding="utf-8"?>
 <p:notes xmlns:a="http://schemas.openxmlformats.org/drawingml/2006/main" xmlns:r="http://schemas.openxmlformats.org/officeDocument/2006/relationships" xmlns:p="http://schemas.openxmlformats.org/presentationml/2006/main" showMasterSp="0" showMasterPhAnim="0">
   <p:cSld>
     <p:spTree>
       <p:nvGrpSpPr>
-        <p:cNvPr id="1" name="Shape 200"/>
+        <p:cNvPr id="1" name="Shape 92"/>
         <p:cNvGrpSpPr/>
         <p:nvPr/>
       </p:nvGrpSpPr>
@@ -608,7 +1007,7 @@
       </p:grpSpPr>
       <p:sp>
         <p:nvSpPr>
-          <p:cNvPr id="201" name="Google Shape;201;g25716fd1092_0_0:notes"/>
+          <p:cNvPr id="93" name="Google Shape;93;g25716fd1092_0_25:notes"/>
           <p:cNvSpPr>
             <a:spLocks noGrp="1" noRot="1" noChangeAspect="1"/>
           </p:cNvSpPr>
@@ -649,7 +1048,7 @@
       </p:sp>
       <p:sp>
         <p:nvSpPr>
-          <p:cNvPr id="202" name="Google Shape;202;g25716fd1092_0_0:notes"/>
+          <p:cNvPr id="94" name="Google Shape;94;g25716fd1092_0_25:notes"/>
           <p:cNvSpPr txBox="1">
             <a:spLocks noGrp="1"/>
           </p:cNvSpPr>
@@ -681,6 +1080,44 @@
               </a:spcAft>
               <a:buNone/>
             </a:pPr>
+            <a:r>
+              <a:rPr lang="en-GB"/>
+              <a:t>Notes from Ken:</a:t>
+            </a:r>
+            <a:endParaRPr/>
+          </a:p>
+          <a:p>
+            <a:pPr marL="457200" lvl="0" indent="-298450" algn="l" rtl="0">
+              <a:spcBef>
+                <a:spcPts val="0"/>
+              </a:spcBef>
+              <a:spcAft>
+                <a:spcPts val="0"/>
+              </a:spcAft>
+              <a:buSzPts val="1100"/>
+              <a:buChar char="-"/>
+            </a:pPr>
+            <a:r>
+              <a:rPr lang="en-GB"/>
+              <a:t>Record myself on zoom call and measure how much time to spend on each slide. &gt;2 slides</a:t>
+            </a:r>
+            <a:endParaRPr/>
+          </a:p>
+          <a:p>
+            <a:pPr marL="457200" lvl="0" indent="-298450" algn="l" rtl="0">
+              <a:spcBef>
+                <a:spcPts val="0"/>
+              </a:spcBef>
+              <a:spcAft>
+                <a:spcPts val="0"/>
+              </a:spcAft>
+              <a:buSzPts val="1100"/>
+              <a:buChar char="-"/>
+            </a:pPr>
+            <a:r>
+              <a:rPr lang="en-GB"/>
+              <a:t>Provide some memes and keep things snappy</a:t>
+            </a:r>
             <a:endParaRPr/>
           </a:p>
         </p:txBody>
@@ -693,12 +1130,12 @@
 </p:notes>
 </file>
 
-<file path=ppt/notesSlides/notesSlide3.xml><?xml version="1.0" encoding="utf-8"?>
+<file path=ppt/notesSlides/notesSlide5.xml><?xml version="1.0" encoding="utf-8"?>
 <p:notes xmlns:a="http://schemas.openxmlformats.org/drawingml/2006/main" xmlns:r="http://schemas.openxmlformats.org/officeDocument/2006/relationships" xmlns:p="http://schemas.openxmlformats.org/presentationml/2006/main" showMasterSp="0" showMasterPhAnim="0">
   <p:cSld>
     <p:spTree>
       <p:nvGrpSpPr>
-        <p:cNvPr id="1" name="Shape 207"/>
+        <p:cNvPr id="1" name="Shape 115"/>
         <p:cNvGrpSpPr/>
         <p:nvPr/>
       </p:nvGrpSpPr>
@@ -712,7 +1149,7 @@
       </p:grpSpPr>
       <p:sp>
         <p:nvSpPr>
-          <p:cNvPr id="208" name="Google Shape;208;g25716fd1092_0_6:notes"/>
+          <p:cNvPr id="116" name="Google Shape;116;g25716fd1092_0_30:notes"/>
           <p:cNvSpPr>
             <a:spLocks noGrp="1" noRot="1" noChangeAspect="1"/>
           </p:cNvSpPr>
@@ -753,7 +1190,7 @@
       </p:sp>
       <p:sp>
         <p:nvSpPr>
-          <p:cNvPr id="209" name="Google Shape;209;g25716fd1092_0_6:notes"/>
+          <p:cNvPr id="117" name="Google Shape;117;g25716fd1092_0_30:notes"/>
           <p:cNvSpPr txBox="1">
             <a:spLocks noGrp="1"/>
           </p:cNvSpPr>
@@ -785,43 +1222,6 @@
               </a:spcAft>
               <a:buNone/>
             </a:pPr>
-            <a:r>
-              <a:rPr lang="en-GB"/>
-              <a:t>No asymmetry of time - how to reduce to a soundbite</a:t>
-            </a:r>
-            <a:endParaRPr/>
-          </a:p>
-          <a:p>
-            <a:pPr marL="457200" lvl="0" indent="-298450" algn="l" rtl="0">
-              <a:spcBef>
-                <a:spcPts val="0"/>
-              </a:spcBef>
-              <a:spcAft>
-                <a:spcPts val="0"/>
-              </a:spcAft>
-              <a:buSzPts val="1100"/>
-              <a:buChar char="-"/>
-            </a:pPr>
-            <a:r>
-              <a:rPr lang="en-GB"/>
-              <a:t>Audience soundbites</a:t>
-            </a:r>
-            <a:endParaRPr/>
-          </a:p>
-          <a:p>
-            <a:pPr marL="0" lvl="0" indent="0" algn="l" rtl="0">
-              <a:spcBef>
-                <a:spcPts val="0"/>
-              </a:spcBef>
-              <a:spcAft>
-                <a:spcPts val="0"/>
-              </a:spcAft>
-              <a:buNone/>
-            </a:pPr>
-            <a:r>
-              <a:rPr lang="en-GB"/>
-              <a:t>‘Almost all studies in ml do test-train split’ that’s a bad idea when you have time</a:t>
-            </a:r>
             <a:endParaRPr/>
           </a:p>
         </p:txBody>
@@ -834,12 +1234,12 @@
 </p:notes>
 </file>
 
-<file path=ppt/notesSlides/notesSlide4.xml><?xml version="1.0" encoding="utf-8"?>
+<file path=ppt/notesSlides/notesSlide6.xml><?xml version="1.0" encoding="utf-8"?>
 <p:notes xmlns:a="http://schemas.openxmlformats.org/drawingml/2006/main" xmlns:r="http://schemas.openxmlformats.org/officeDocument/2006/relationships" xmlns:p="http://schemas.openxmlformats.org/presentationml/2006/main" showMasterSp="0" showMasterPhAnim="0">
   <p:cSld>
     <p:spTree>
       <p:nvGrpSpPr>
-        <p:cNvPr id="1" name="Shape 214"/>
+        <p:cNvPr id="1" name="Shape 123"/>
         <p:cNvGrpSpPr/>
         <p:nvPr/>
       </p:nvGrpSpPr>
@@ -853,7 +1253,7 @@
       </p:grpSpPr>
       <p:sp>
         <p:nvSpPr>
-          <p:cNvPr id="215" name="Google Shape;215;g25716fd1092_0_30:notes"/>
+          <p:cNvPr id="124" name="Google Shape;124;g1e476c8e583_0_48:notes"/>
           <p:cNvSpPr>
             <a:spLocks noGrp="1" noRot="1" noChangeAspect="1"/>
           </p:cNvSpPr>
@@ -894,7 +1294,7 @@
       </p:sp>
       <p:sp>
         <p:nvSpPr>
-          <p:cNvPr id="216" name="Google Shape;216;g25716fd1092_0_30:notes"/>
+          <p:cNvPr id="125" name="Google Shape;125;g1e476c8e583_0_48:notes"/>
           <p:cNvSpPr txBox="1">
             <a:spLocks noGrp="1"/>
           </p:cNvSpPr>
@@ -938,12 +1338,12 @@
 </p:notes>
 </file>
 
-<file path=ppt/notesSlides/notesSlide5.xml><?xml version="1.0" encoding="utf-8"?>
+<file path=ppt/notesSlides/notesSlide7.xml><?xml version="1.0" encoding="utf-8"?>
 <p:notes xmlns:a="http://schemas.openxmlformats.org/drawingml/2006/main" xmlns:r="http://schemas.openxmlformats.org/officeDocument/2006/relationships" xmlns:p="http://schemas.openxmlformats.org/presentationml/2006/main" showMasterSp="0" showMasterPhAnim="0">
   <p:cSld>
     <p:spTree>
       <p:nvGrpSpPr>
-        <p:cNvPr id="1" name="Shape 222"/>
+        <p:cNvPr id="1" name="Shape 130"/>
         <p:cNvGrpSpPr/>
         <p:nvPr/>
       </p:nvGrpSpPr>
@@ -957,7 +1357,7 @@
       </p:grpSpPr>
       <p:sp>
         <p:nvSpPr>
-          <p:cNvPr id="223" name="Google Shape;223;g25716fd1092_0_25:notes"/>
+          <p:cNvPr id="131" name="Google Shape;131;g25716fd1092_0_13:notes"/>
           <p:cNvSpPr>
             <a:spLocks noGrp="1" noRot="1" noChangeAspect="1"/>
           </p:cNvSpPr>
@@ -998,7 +1398,7 @@
       </p:sp>
       <p:sp>
         <p:nvSpPr>
-          <p:cNvPr id="224" name="Google Shape;224;g25716fd1092_0_25:notes"/>
+          <p:cNvPr id="132" name="Google Shape;132;g25716fd1092_0_13:notes"/>
           <p:cNvSpPr txBox="1">
             <a:spLocks noGrp="1"/>
           </p:cNvSpPr>
@@ -1022,51 +1422,29 @@
           <a:lstStyle/>
           <a:p>
             <a:pPr marL="0" lvl="0" indent="0" algn="l" rtl="0">
+              <a:lnSpc>
+                <a:spcPct val="115000"/>
+              </a:lnSpc>
               <a:spcBef>
                 <a:spcPts val="0"/>
               </a:spcBef>
               <a:spcAft>
-                <a:spcPts val="0"/>
+                <a:spcPts val="1200"/>
               </a:spcAft>
+              <a:buClr>
+                <a:schemeClr val="dk1"/>
+              </a:buClr>
+              <a:buSzPts val="1100"/>
+              <a:buFont typeface="Arial"/>
               <a:buNone/>
             </a:pPr>
             <a:r>
-              <a:rPr lang="en-GB"/>
-              <a:t>Notes from Ken:</a:t>
-            </a:r>
-            <a:endParaRPr/>
-          </a:p>
-          <a:p>
-            <a:pPr marL="457200" lvl="0" indent="-298450" algn="l" rtl="0">
-              <a:spcBef>
-                <a:spcPts val="0"/>
-              </a:spcBef>
-              <a:spcAft>
-                <a:spcPts val="0"/>
-              </a:spcAft>
-              <a:buSzPts val="1100"/>
-              <a:buChar char="-"/>
-            </a:pPr>
-            <a:r>
-              <a:rPr lang="en-GB"/>
-              <a:t>Record myself on zoom call and measure how much time to spend on each slide. &gt;2 slides</a:t>
-            </a:r>
-            <a:endParaRPr/>
-          </a:p>
-          <a:p>
-            <a:pPr marL="457200" lvl="0" indent="-298450" algn="l" rtl="0">
-              <a:spcBef>
-                <a:spcPts val="0"/>
-              </a:spcBef>
-              <a:spcAft>
-                <a:spcPts val="0"/>
-              </a:spcAft>
-              <a:buSzPts val="1100"/>
-              <a:buChar char="-"/>
-            </a:pPr>
-            <a:r>
-              <a:rPr lang="en-GB"/>
-              <a:t>Provide some memes and keep things snappy</a:t>
+              <a:rPr lang="en-GB" sz="1800">
+                <a:solidFill>
+                  <a:srgbClr val="595959"/>
+                </a:solidFill>
+              </a:rPr>
+              <a:t>Thesis: it will be harder to do Citation Recommendation as Paper A is chosen further forward in time due to citation graph evolution and academic topic development</a:t>
             </a:r>
             <a:endParaRPr/>
           </a:p>
@@ -1080,12 +1458,12 @@
 </p:notes>
 </file>
 
-<file path=ppt/notesSlides/notesSlide6.xml><?xml version="1.0" encoding="utf-8"?>
+<file path=ppt/notesSlides/notesSlide8.xml><?xml version="1.0" encoding="utf-8"?>
 <p:notes xmlns:a="http://schemas.openxmlformats.org/drawingml/2006/main" xmlns:r="http://schemas.openxmlformats.org/officeDocument/2006/relationships" xmlns:p="http://schemas.openxmlformats.org/presentationml/2006/main" showMasterSp="0" showMasterPhAnim="0">
   <p:cSld>
     <p:spTree>
       <p:nvGrpSpPr>
-        <p:cNvPr id="1" name="Shape 228"/>
+        <p:cNvPr id="1" name="Shape 137"/>
         <p:cNvGrpSpPr/>
         <p:nvPr/>
       </p:nvGrpSpPr>
@@ -1099,7 +1477,7 @@
       </p:grpSpPr>
       <p:sp>
         <p:nvSpPr>
-          <p:cNvPr id="229" name="Google Shape;229;g257363d201c_0_7:notes"/>
+          <p:cNvPr id="138" name="Google Shape;138;g25716fd1092_0_20:notes"/>
           <p:cNvSpPr>
             <a:spLocks noGrp="1" noRot="1" noChangeAspect="1"/>
           </p:cNvSpPr>
@@ -1109,7 +1487,7 @@
         </p:nvSpPr>
         <p:spPr>
           <a:xfrm>
-            <a:off x="381000" y="685800"/>
+            <a:off x="381300" y="685800"/>
             <a:ext cx="6096000" cy="3429000"/>
           </a:xfrm>
           <a:custGeom>
@@ -1140,7 +1518,7 @@
       </p:sp>
       <p:sp>
         <p:nvSpPr>
-          <p:cNvPr id="230" name="Google Shape;230;g257363d201c_0_7:notes"/>
+          <p:cNvPr id="139" name="Google Shape;139;g25716fd1092_0_20:notes"/>
           <p:cNvSpPr txBox="1">
             <a:spLocks noGrp="1"/>
           </p:cNvSpPr>
@@ -1184,12 +1562,12 @@
 </p:notes>
 </file>
 
-<file path=ppt/notesSlides/notesSlide7.xml><?xml version="1.0" encoding="utf-8"?>
+<file path=ppt/notesSlides/notesSlide9.xml><?xml version="1.0" encoding="utf-8"?>
 <p:notes xmlns:a="http://schemas.openxmlformats.org/drawingml/2006/main" xmlns:r="http://schemas.openxmlformats.org/officeDocument/2006/relationships" xmlns:p="http://schemas.openxmlformats.org/presentationml/2006/main" showMasterSp="0" showMasterPhAnim="0">
   <p:cSld>
     <p:spTree>
       <p:nvGrpSpPr>
-        <p:cNvPr id="1" name="Shape 236"/>
+        <p:cNvPr id="1" name="Shape 144"/>
         <p:cNvGrpSpPr/>
         <p:nvPr/>
       </p:nvGrpSpPr>
@@ -1203,7 +1581,7 @@
       </p:grpSpPr>
       <p:sp>
         <p:nvSpPr>
-          <p:cNvPr id="237" name="Google Shape;237;g25716fd1092_0_13:notes"/>
+          <p:cNvPr id="145" name="Google Shape;145;g1e476c8e583_0_55:notes"/>
           <p:cNvSpPr>
             <a:spLocks noGrp="1" noRot="1" noChangeAspect="1"/>
           </p:cNvSpPr>
@@ -1213,7 +1591,7 @@
         </p:nvSpPr>
         <p:spPr>
           <a:xfrm>
-            <a:off x="381000" y="685800"/>
+            <a:off x="381300" y="685800"/>
             <a:ext cx="6096000" cy="3429000"/>
           </a:xfrm>
           <a:custGeom>
@@ -1244,231 +1622,7 @@
       </p:sp>
       <p:sp>
         <p:nvSpPr>
-          <p:cNvPr id="238" name="Google Shape;238;g25716fd1092_0_13:notes"/>
-          <p:cNvSpPr txBox="1">
-            <a:spLocks noGrp="1"/>
-          </p:cNvSpPr>
-          <p:nvPr>
-            <p:ph type="body" idx="1"/>
-          </p:nvPr>
-        </p:nvSpPr>
-        <p:spPr>
-          <a:xfrm>
-            <a:off x="685800" y="4343400"/>
-            <a:ext cx="5486400" cy="4114800"/>
-          </a:xfrm>
-          <a:prstGeom prst="rect">
-            <a:avLst/>
-          </a:prstGeom>
-        </p:spPr>
-        <p:txBody>
-          <a:bodyPr spcFirstLastPara="1" wrap="square" lIns="91425" tIns="91425" rIns="91425" bIns="91425" anchor="t" anchorCtr="0">
-            <a:noAutofit/>
-          </a:bodyPr>
-          <a:lstStyle/>
-          <a:p>
-            <a:pPr marL="0" lvl="0" indent="0" algn="l" rtl="0">
-              <a:lnSpc>
-                <a:spcPct val="115000"/>
-              </a:lnSpc>
-              <a:spcBef>
-                <a:spcPts val="0"/>
-              </a:spcBef>
-              <a:spcAft>
-                <a:spcPts val="1200"/>
-              </a:spcAft>
-              <a:buClr>
-                <a:schemeClr val="dk1"/>
-              </a:buClr>
-              <a:buSzPts val="1100"/>
-              <a:buFont typeface="Arial"/>
-              <a:buNone/>
-            </a:pPr>
-            <a:r>
-              <a:rPr lang="en-GB" sz="1800">
-                <a:solidFill>
-                  <a:srgbClr val="595959"/>
-                </a:solidFill>
-              </a:rPr>
-              <a:t>Thesis: it will be harder to do Citation Recommendation as Paper A is chosen further forward in time due to citation graph evolution and academic topic development</a:t>
-            </a:r>
-            <a:endParaRPr/>
-          </a:p>
-        </p:txBody>
-      </p:sp>
-    </p:spTree>
-  </p:cSld>
-  <p:clrMapOvr>
-    <a:masterClrMapping/>
-  </p:clrMapOvr>
-</p:notes>
-</file>
-
-<file path=ppt/notesSlides/notesSlide8.xml><?xml version="1.0" encoding="utf-8"?>
-<p:notes xmlns:a="http://schemas.openxmlformats.org/drawingml/2006/main" xmlns:r="http://schemas.openxmlformats.org/officeDocument/2006/relationships" xmlns:p="http://schemas.openxmlformats.org/presentationml/2006/main" showMasterSp="0" showMasterPhAnim="0">
-  <p:cSld>
-    <p:spTree>
-      <p:nvGrpSpPr>
-        <p:cNvPr id="1" name="Shape 243"/>
-        <p:cNvGrpSpPr/>
-        <p:nvPr/>
-      </p:nvGrpSpPr>
-      <p:grpSpPr>
-        <a:xfrm>
-          <a:off x="0" y="0"/>
-          <a:ext cx="0" cy="0"/>
-          <a:chOff x="0" y="0"/>
-          <a:chExt cx="0" cy="0"/>
-        </a:xfrm>
-      </p:grpSpPr>
-      <p:sp>
-        <p:nvSpPr>
-          <p:cNvPr id="244" name="Google Shape;244;g25716fd1092_0_20:notes"/>
-          <p:cNvSpPr>
-            <a:spLocks noGrp="1" noRot="1" noChangeAspect="1"/>
-          </p:cNvSpPr>
-          <p:nvPr>
-            <p:ph type="sldImg" idx="2"/>
-          </p:nvPr>
-        </p:nvSpPr>
-        <p:spPr>
-          <a:xfrm>
-            <a:off x="381000" y="685800"/>
-            <a:ext cx="6096000" cy="3429000"/>
-          </a:xfrm>
-          <a:custGeom>
-            <a:avLst/>
-            <a:gdLst/>
-            <a:ahLst/>
-            <a:cxnLst/>
-            <a:rect l="l" t="t" r="r" b="b"/>
-            <a:pathLst>
-              <a:path w="120000" h="120000" extrusionOk="0">
-                <a:moveTo>
-                  <a:pt x="0" y="0"/>
-                </a:moveTo>
-                <a:lnTo>
-                  <a:pt x="120000" y="0"/>
-                </a:lnTo>
-                <a:lnTo>
-                  <a:pt x="120000" y="120000"/>
-                </a:lnTo>
-                <a:lnTo>
-                  <a:pt x="0" y="120000"/>
-                </a:lnTo>
-                <a:close/>
-              </a:path>
-            </a:pathLst>
-          </a:custGeom>
-        </p:spPr>
-      </p:sp>
-      <p:sp>
-        <p:nvSpPr>
-          <p:cNvPr id="245" name="Google Shape;245;g25716fd1092_0_20:notes"/>
-          <p:cNvSpPr txBox="1">
-            <a:spLocks noGrp="1"/>
-          </p:cNvSpPr>
-          <p:nvPr>
-            <p:ph type="body" idx="1"/>
-          </p:nvPr>
-        </p:nvSpPr>
-        <p:spPr>
-          <a:xfrm>
-            <a:off x="685800" y="4343400"/>
-            <a:ext cx="5486400" cy="4114800"/>
-          </a:xfrm>
-          <a:prstGeom prst="rect">
-            <a:avLst/>
-          </a:prstGeom>
-        </p:spPr>
-        <p:txBody>
-          <a:bodyPr spcFirstLastPara="1" wrap="square" lIns="91425" tIns="91425" rIns="91425" bIns="91425" anchor="t" anchorCtr="0">
-            <a:noAutofit/>
-          </a:bodyPr>
-          <a:lstStyle/>
-          <a:p>
-            <a:pPr marL="0" lvl="0" indent="0" algn="l" rtl="0">
-              <a:spcBef>
-                <a:spcPts val="0"/>
-              </a:spcBef>
-              <a:spcAft>
-                <a:spcPts val="0"/>
-              </a:spcAft>
-              <a:buNone/>
-            </a:pPr>
-            <a:endParaRPr/>
-          </a:p>
-        </p:txBody>
-      </p:sp>
-    </p:spTree>
-  </p:cSld>
-  <p:clrMapOvr>
-    <a:masterClrMapping/>
-  </p:clrMapOvr>
-</p:notes>
-</file>
-
-<file path=ppt/notesSlides/notesSlide9.xml><?xml version="1.0" encoding="utf-8"?>
-<p:notes xmlns:a="http://schemas.openxmlformats.org/drawingml/2006/main" xmlns:r="http://schemas.openxmlformats.org/officeDocument/2006/relationships" xmlns:p="http://schemas.openxmlformats.org/presentationml/2006/main" showMasterSp="0" showMasterPhAnim="0">
-  <p:cSld>
-    <p:spTree>
-      <p:nvGrpSpPr>
-        <p:cNvPr id="1" name="Shape 250"/>
-        <p:cNvGrpSpPr/>
-        <p:nvPr/>
-      </p:nvGrpSpPr>
-      <p:grpSpPr>
-        <a:xfrm>
-          <a:off x="0" y="0"/>
-          <a:ext cx="0" cy="0"/>
-          <a:chOff x="0" y="0"/>
-          <a:chExt cx="0" cy="0"/>
-        </a:xfrm>
-      </p:grpSpPr>
-      <p:sp>
-        <p:nvSpPr>
-          <p:cNvPr id="251" name="Google Shape;251;g257363d201c_0_20:notes"/>
-          <p:cNvSpPr>
-            <a:spLocks noGrp="1" noRot="1" noChangeAspect="1"/>
-          </p:cNvSpPr>
-          <p:nvPr>
-            <p:ph type="sldImg" idx="2"/>
-          </p:nvPr>
-        </p:nvSpPr>
-        <p:spPr>
-          <a:xfrm>
-            <a:off x="381000" y="685800"/>
-            <a:ext cx="6096000" cy="3429000"/>
-          </a:xfrm>
-          <a:custGeom>
-            <a:avLst/>
-            <a:gdLst/>
-            <a:ahLst/>
-            <a:cxnLst/>
-            <a:rect l="l" t="t" r="r" b="b"/>
-            <a:pathLst>
-              <a:path w="120000" h="120000" extrusionOk="0">
-                <a:moveTo>
-                  <a:pt x="0" y="0"/>
-                </a:moveTo>
-                <a:lnTo>
-                  <a:pt x="120000" y="0"/>
-                </a:lnTo>
-                <a:lnTo>
-                  <a:pt x="120000" y="120000"/>
-                </a:lnTo>
-                <a:lnTo>
-                  <a:pt x="0" y="120000"/>
-                </a:lnTo>
-                <a:close/>
-              </a:path>
-            </a:pathLst>
-          </a:custGeom>
-        </p:spPr>
-      </p:sp>
-      <p:sp>
-        <p:nvSpPr>
-          <p:cNvPr id="252" name="Google Shape;252;g257363d201c_0_20:notes"/>
+          <p:cNvPr id="146" name="Google Shape;146;g1e476c8e583_0_55:notes"/>
           <p:cNvSpPr txBox="1">
             <a:spLocks noGrp="1"/>
           </p:cNvSpPr>
@@ -7084,7 +7238,7 @@
   <p:cSld>
     <p:spTree>
       <p:nvGrpSpPr>
-        <p:cNvPr id="1" name="Shape 197"/>
+        <p:cNvPr id="1" name="Shape 75"/>
         <p:cNvGrpSpPr/>
         <p:nvPr/>
       </p:nvGrpSpPr>
@@ -7098,7 +7252,7 @@
       </p:grpSpPr>
       <p:sp>
         <p:nvSpPr>
-          <p:cNvPr id="198" name="Google Shape;198;p29"/>
+          <p:cNvPr id="76" name="Google Shape;76;p16"/>
           <p:cNvSpPr txBox="1">
             <a:spLocks noGrp="1"/>
           </p:cNvSpPr>
@@ -7136,7 +7290,7 @@
       </p:sp>
       <p:sp>
         <p:nvSpPr>
-          <p:cNvPr id="199" name="Google Shape;199;p29"/>
+          <p:cNvPr id="77" name="Google Shape;77;p16"/>
           <p:cNvSpPr txBox="1">
             <a:spLocks noGrp="1"/>
           </p:cNvSpPr>
@@ -7185,7 +7339,7 @@
   <p:cSld>
     <p:spTree>
       <p:nvGrpSpPr>
-        <p:cNvPr id="1" name="Shape 203"/>
+        <p:cNvPr id="1" name="Shape 81"/>
         <p:cNvGrpSpPr/>
         <p:nvPr/>
       </p:nvGrpSpPr>
@@ -7199,7 +7353,7 @@
       </p:grpSpPr>
       <p:sp>
         <p:nvSpPr>
-          <p:cNvPr id="204" name="Google Shape;204;p30"/>
+          <p:cNvPr id="82" name="Google Shape;82;p17"/>
           <p:cNvSpPr txBox="1">
             <a:spLocks noGrp="1"/>
           </p:cNvSpPr>
@@ -7209,111 +7363,1647 @@
         </p:nvSpPr>
         <p:spPr>
           <a:xfrm>
-            <a:off x="415600" y="593367"/>
-            <a:ext cx="11360800" cy="763600"/>
+            <a:off x="839788" y="365125"/>
+            <a:ext cx="10515600" cy="1325600"/>
           </a:xfrm>
           <a:prstGeom prst="rect">
             <a:avLst/>
           </a:prstGeom>
+          <a:noFill/>
+          <a:ln>
+            <a:noFill/>
+          </a:ln>
         </p:spPr>
         <p:txBody>
-          <a:bodyPr spcFirstLastPara="1" vert="horz" wrap="square" lIns="121900" tIns="121900" rIns="121900" bIns="121900" rtlCol="0" anchor="t" anchorCtr="0">
-            <a:normAutofit fontScale="90000"/>
+          <a:bodyPr spcFirstLastPara="1" vert="horz" wrap="square" lIns="91433" tIns="45700" rIns="91433" bIns="45700" rtlCol="0" anchor="ctr" anchorCtr="0">
+            <a:normAutofit/>
           </a:bodyPr>
           <a:lstStyle/>
           <a:p>
-            <a:r>
-              <a:rPr lang="en-GB"/>
-              <a:t>Train-Test on a Graph</a:t>
-            </a:r>
-            <a:endParaRPr/>
-          </a:p>
-        </p:txBody>
-      </p:sp>
-      <p:sp>
-        <p:nvSpPr>
-          <p:cNvPr id="205" name="Google Shape;205;p30"/>
+            <a:pPr>
+              <a:spcBef>
+                <a:spcPts val="0"/>
+              </a:spcBef>
+              <a:buClr>
+                <a:schemeClr val="dk1"/>
+              </a:buClr>
+              <a:buSzPts val="3300"/>
+            </a:pPr>
+            <a:r>
+              <a:rPr lang="en-GB" dirty="0"/>
+              <a:t>Opportunity for Evaluation:</a:t>
+            </a:r>
+            <a:br>
+              <a:rPr lang="en-GB" dirty="0"/>
+            </a:br>
+            <a:r>
+              <a:rPr lang="en-GB" dirty="0"/>
+              <a:t>Answer Important Questions</a:t>
+            </a:r>
+            <a:endParaRPr dirty="0"/>
+          </a:p>
+        </p:txBody>
+      </p:sp>
+      <p:sp>
+        <p:nvSpPr>
+          <p:cNvPr id="83" name="Google Shape;83;p17"/>
           <p:cNvSpPr txBox="1">
             <a:spLocks noGrp="1"/>
           </p:cNvSpPr>
           <p:nvPr>
-            <p:ph type="body" idx="1"/>
+            <p:ph type="body" idx="3"/>
           </p:nvPr>
         </p:nvSpPr>
         <p:spPr>
           <a:xfrm>
-            <a:off x="415600" y="1536633"/>
-            <a:ext cx="4794000" cy="4555200"/>
+            <a:off x="838200" y="1690729"/>
+            <a:ext cx="5183200" cy="824000"/>
           </a:xfrm>
           <a:prstGeom prst="rect">
             <a:avLst/>
           </a:prstGeom>
+          <a:noFill/>
+          <a:ln>
+            <a:noFill/>
+          </a:ln>
         </p:spPr>
         <p:txBody>
-          <a:bodyPr spcFirstLastPara="1" vert="horz" wrap="square" lIns="121900" tIns="121900" rIns="121900" bIns="121900" rtlCol="0" anchor="t" anchorCtr="0">
-            <a:normAutofit lnSpcReduction="10000"/>
+          <a:bodyPr spcFirstLastPara="1" vert="horz" wrap="square" lIns="91433" tIns="45700" rIns="91433" bIns="45700" rtlCol="0" anchor="b" anchorCtr="0">
+            <a:normAutofit/>
           </a:bodyPr>
           <a:lstStyle/>
           <a:p>
-            <a:pPr marL="0" indent="0">
-              <a:buNone/>
-            </a:pPr>
-            <a:r>
-              <a:rPr lang="en-GB"/>
-              <a:t>Typical ML approach is randomly partition test and train data</a:t>
-            </a:r>
-            <a:endParaRPr/>
-          </a:p>
-          <a:p>
-            <a:pPr marL="0" indent="0">
+            <a:pPr>
               <a:spcBef>
-                <a:spcPts val="1600"/>
-              </a:spcBef>
-              <a:buNone/>
-            </a:pPr>
-            <a:r>
-              <a:rPr lang="en-GB"/>
-              <a:t>However, with temporal data we must have a sense of cause and effect: </a:t>
-            </a:r>
-            <a:r>
-              <a:rPr lang="en-GB" b="1"/>
-              <a:t>any referenced paper should be considered ‘seen’</a:t>
-            </a:r>
-            <a:endParaRPr b="1"/>
-          </a:p>
-          <a:p>
-            <a:pPr marL="0" indent="0">
-              <a:spcBef>
-                <a:spcPts val="1600"/>
+                <a:spcPts val="0"/>
               </a:spcBef>
               <a:spcAft>
                 <a:spcPts val="1600"/>
               </a:spcAft>
+              <a:buClr>
+                <a:schemeClr val="dk1"/>
+              </a:buClr>
+              <a:buSzPts val="1800"/>
+            </a:pPr>
+            <a:r>
+              <a:rPr lang="en-GB" dirty="0"/>
+              <a:t>Important Questions (Good)</a:t>
+            </a:r>
+            <a:endParaRPr dirty="0"/>
+          </a:p>
+        </p:txBody>
+      </p:sp>
+      <p:sp>
+        <p:nvSpPr>
+          <p:cNvPr id="84" name="Google Shape;84;p17"/>
+          <p:cNvSpPr txBox="1">
+            <a:spLocks noGrp="1"/>
+          </p:cNvSpPr>
+          <p:nvPr>
+            <p:ph type="dt" idx="10"/>
+          </p:nvPr>
+        </p:nvSpPr>
+        <p:spPr>
+          <a:xfrm>
+            <a:off x="838200" y="6356351"/>
+            <a:ext cx="2743200" cy="365200"/>
+          </a:xfrm>
+          <a:prstGeom prst="rect">
+            <a:avLst/>
+          </a:prstGeom>
+          <a:noFill/>
+          <a:ln>
+            <a:noFill/>
+          </a:ln>
+        </p:spPr>
+        <p:txBody>
+          <a:bodyPr spcFirstLastPara="1" vert="horz" wrap="square" lIns="91433" tIns="45700" rIns="91433" bIns="45700" rtlCol="0" anchor="ctr" anchorCtr="0">
+            <a:noAutofit/>
+          </a:bodyPr>
+          <a:lstStyle/>
+          <a:p>
+            <a:r>
+              <a:rPr lang="en-GB"/>
+              <a:t>6/26/2023</a:t>
+            </a:r>
+            <a:endParaRPr/>
+          </a:p>
+        </p:txBody>
+      </p:sp>
+      <p:sp>
+        <p:nvSpPr>
+          <p:cNvPr id="85" name="Google Shape;85;p17"/>
+          <p:cNvSpPr txBox="1">
+            <a:spLocks noGrp="1"/>
+          </p:cNvSpPr>
+          <p:nvPr>
+            <p:ph type="sldNum" idx="12"/>
+          </p:nvPr>
+        </p:nvSpPr>
+        <p:spPr>
+          <a:xfrm>
+            <a:off x="3276600" y="6365917"/>
+            <a:ext cx="2743200" cy="365200"/>
+          </a:xfrm>
+          <a:prstGeom prst="rect">
+            <a:avLst/>
+          </a:prstGeom>
+          <a:noFill/>
+          <a:ln>
+            <a:noFill/>
+          </a:ln>
+        </p:spPr>
+        <p:txBody>
+          <a:bodyPr spcFirstLastPara="1" vert="horz" wrap="square" lIns="91433" tIns="45700" rIns="91433" bIns="45700" rtlCol="0" anchor="ctr" anchorCtr="0">
+            <a:normAutofit/>
+          </a:bodyPr>
+          <a:lstStyle/>
+          <a:p>
+            <a:fld id="{00000000-1234-1234-1234-123412341234}" type="slidenum">
+              <a:rPr lang="en-GB"/>
+              <a:pPr/>
+              <a:t>15</a:t>
+            </a:fld>
+            <a:endParaRPr/>
+          </a:p>
+        </p:txBody>
+      </p:sp>
+      <p:sp>
+        <p:nvSpPr>
+          <p:cNvPr id="86" name="Google Shape;86;p17"/>
+          <p:cNvSpPr txBox="1">
+            <a:spLocks noGrp="1"/>
+          </p:cNvSpPr>
+          <p:nvPr>
+            <p:ph type="body" idx="4"/>
+          </p:nvPr>
+        </p:nvSpPr>
+        <p:spPr>
+          <a:xfrm>
+            <a:off x="838200" y="2514641"/>
+            <a:ext cx="4546400" cy="3684800"/>
+          </a:xfrm>
+          <a:prstGeom prst="rect">
+            <a:avLst/>
+          </a:prstGeom>
+          <a:noFill/>
+          <a:ln>
+            <a:noFill/>
+          </a:ln>
+        </p:spPr>
+        <p:txBody>
+          <a:bodyPr spcFirstLastPara="1" vert="horz" wrap="square" lIns="91433" tIns="45700" rIns="91433" bIns="45700" rtlCol="0" anchor="t" anchorCtr="0">
+            <a:normAutofit fontScale="92500" lnSpcReduction="20000"/>
+          </a:bodyPr>
+          <a:lstStyle/>
+          <a:p>
+            <a:pPr marL="237061" indent="-218857">
+              <a:spcBef>
+                <a:spcPts val="0"/>
+              </a:spcBef>
+              <a:buClr>
+                <a:schemeClr val="dk1"/>
+              </a:buClr>
+              <a:buSzPct val="116666"/>
+              <a:buChar char="●"/>
+            </a:pPr>
+            <a:r>
+              <a:rPr lang="en-GB" dirty="0"/>
+              <a:t>What should I read?  Cite?</a:t>
+            </a:r>
+            <a:endParaRPr dirty="0"/>
+          </a:p>
+          <a:p>
+            <a:pPr marL="237061" indent="-218857">
+              <a:spcBef>
+                <a:spcPts val="1067"/>
+              </a:spcBef>
+              <a:buClr>
+                <a:schemeClr val="dk1"/>
+              </a:buClr>
+              <a:buSzPct val="116666"/>
+              <a:buChar char="●"/>
+            </a:pPr>
+            <a:r>
+              <a:rPr lang="en-GB" dirty="0"/>
+              <a:t>What’s Hot &amp; What’s Not?</a:t>
+            </a:r>
+            <a:endParaRPr dirty="0"/>
+          </a:p>
+          <a:p>
+            <a:pPr marL="694249" lvl="1" indent="-231134">
+              <a:spcBef>
+                <a:spcPts val="533"/>
+              </a:spcBef>
+              <a:buClr>
+                <a:schemeClr val="dk1"/>
+              </a:buClr>
+              <a:buSzPct val="128571"/>
+              <a:buChar char="○"/>
+            </a:pPr>
+            <a:r>
+              <a:rPr lang="en-GB" dirty="0"/>
+              <a:t>Which papers are </a:t>
+            </a:r>
+            <a:endParaRPr dirty="0"/>
+          </a:p>
+          <a:p>
+            <a:pPr marL="1151438" lvl="2" indent="-226477">
+              <a:spcBef>
+                <a:spcPts val="533"/>
+              </a:spcBef>
+              <a:buClr>
+                <a:schemeClr val="dk1"/>
+              </a:buClr>
+              <a:buSzPct val="107142"/>
+              <a:buChar char="■"/>
+            </a:pPr>
+            <a:r>
+              <a:rPr lang="en-GB" dirty="0"/>
+              <a:t>tearing up the charts?</a:t>
+            </a:r>
+            <a:endParaRPr dirty="0"/>
+          </a:p>
+          <a:p>
+            <a:pPr marL="694249" lvl="1" indent="-231134">
+              <a:spcBef>
+                <a:spcPts val="533"/>
+              </a:spcBef>
+              <a:buClr>
+                <a:schemeClr val="dk1"/>
+              </a:buClr>
+              <a:buSzPct val="128571"/>
+              <a:buChar char="○"/>
+            </a:pPr>
+            <a:r>
+              <a:rPr lang="en-GB" dirty="0"/>
+              <a:t>Which authors are</a:t>
+            </a:r>
+            <a:endParaRPr dirty="0"/>
+          </a:p>
+          <a:p>
+            <a:pPr marL="1151438" lvl="2" indent="-226477">
+              <a:spcBef>
+                <a:spcPts val="533"/>
+              </a:spcBef>
+              <a:buClr>
+                <a:schemeClr val="dk1"/>
+              </a:buClr>
+              <a:buSzPct val="107142"/>
+              <a:buChar char="■"/>
+            </a:pPr>
+            <a:r>
+              <a:rPr lang="en-GB" dirty="0"/>
+              <a:t>rising stars</a:t>
+            </a:r>
+            <a:endParaRPr dirty="0"/>
+          </a:p>
+          <a:p>
+            <a:pPr marL="237061" indent="-218857">
+              <a:spcBef>
+                <a:spcPts val="1067"/>
+              </a:spcBef>
+              <a:buClr>
+                <a:schemeClr val="dk1"/>
+              </a:buClr>
+              <a:buSzPct val="116666"/>
+              <a:buChar char="●"/>
+            </a:pPr>
+            <a:r>
+              <a:rPr lang="en-GB" dirty="0"/>
+              <a:t>Timeliness (Update Story)</a:t>
+            </a:r>
+            <a:endParaRPr dirty="0"/>
+          </a:p>
+          <a:p>
+            <a:pPr marL="694249" lvl="1" indent="-231134">
+              <a:spcBef>
+                <a:spcPts val="533"/>
+              </a:spcBef>
+              <a:buClr>
+                <a:schemeClr val="dk1"/>
+              </a:buClr>
+              <a:buSzPct val="128571"/>
+              <a:buChar char="○"/>
+            </a:pPr>
+            <a:r>
+              <a:rPr lang="en-GB" dirty="0"/>
+              <a:t>Post model on </a:t>
+            </a:r>
+            <a:r>
+              <a:rPr lang="en-GB" dirty="0" err="1"/>
+              <a:t>HuggingFace</a:t>
+            </a:r>
+            <a:endParaRPr dirty="0"/>
+          </a:p>
+          <a:p>
+            <a:pPr marL="694249" lvl="1" indent="-231134">
+              <a:spcBef>
+                <a:spcPts val="533"/>
+              </a:spcBef>
+              <a:buClr>
+                <a:schemeClr val="dk1"/>
+              </a:buClr>
+              <a:buSzPct val="128571"/>
+              <a:buChar char="○"/>
+            </a:pPr>
+            <a:r>
+              <a:rPr lang="en-GB" dirty="0"/>
+              <a:t>COVID happens</a:t>
+            </a:r>
+            <a:endParaRPr dirty="0"/>
+          </a:p>
+          <a:p>
+            <a:pPr marL="694249" lvl="1" indent="-231134">
+              <a:spcBef>
+                <a:spcPts val="533"/>
+              </a:spcBef>
+              <a:buClr>
+                <a:schemeClr val="dk1"/>
+              </a:buClr>
+              <a:buSzPct val="128571"/>
+              <a:buChar char="○"/>
+            </a:pPr>
+            <a:r>
+              <a:rPr lang="en-GB" dirty="0"/>
+              <a:t>How long are models good for?</a:t>
+            </a:r>
+            <a:endParaRPr dirty="0"/>
+          </a:p>
+          <a:p>
+            <a:pPr marL="1151438" lvl="2" indent="-226477">
+              <a:spcBef>
+                <a:spcPts val="533"/>
+              </a:spcBef>
+              <a:buClr>
+                <a:schemeClr val="dk1"/>
+              </a:buClr>
+              <a:buSzPct val="107142"/>
+              <a:buChar char="■"/>
+            </a:pPr>
+            <a:r>
+              <a:rPr lang="en-GB" dirty="0"/>
+              <a:t>Sell-by dates for </a:t>
+            </a:r>
+            <a:r>
+              <a:rPr lang="en-GB" dirty="0" err="1"/>
+              <a:t>SciBERT</a:t>
+            </a:r>
+            <a:endParaRPr dirty="0"/>
+          </a:p>
+          <a:p>
+            <a:pPr marL="694249" lvl="1" indent="-101597">
+              <a:spcBef>
+                <a:spcPts val="533"/>
+              </a:spcBef>
+              <a:spcAft>
+                <a:spcPts val="1600"/>
+              </a:spcAft>
+              <a:buClr>
+                <a:schemeClr val="dk1"/>
+              </a:buClr>
+              <a:buSzPct val="128571"/>
               <a:buNone/>
             </a:pPr>
-            <a:r>
-              <a:rPr lang="en-GB" b="1"/>
-              <a:t>Partition </a:t>
-            </a:r>
-            <a:r>
-              <a:rPr lang="en-GB"/>
-              <a:t>and </a:t>
-            </a:r>
-            <a:r>
-              <a:rPr lang="en-GB" b="1"/>
-              <a:t>evaluate </a:t>
-            </a:r>
-            <a:r>
-              <a:rPr lang="en-GB"/>
-              <a:t>accordingly</a:t>
-            </a:r>
-            <a:endParaRPr/>
-          </a:p>
-        </p:txBody>
-      </p:sp>
+            <a:endParaRPr dirty="0"/>
+          </a:p>
+        </p:txBody>
+      </p:sp>
+      <p:sp>
+        <p:nvSpPr>
+          <p:cNvPr id="87" name="Google Shape;87;p17"/>
+          <p:cNvSpPr/>
+          <p:nvPr/>
+        </p:nvSpPr>
+        <p:spPr>
+          <a:xfrm>
+            <a:off x="3941000" y="2511700"/>
+            <a:ext cx="839344" cy="358821"/>
+          </a:xfrm>
+          <a:prstGeom prst="rect">
+            <a:avLst/>
+          </a:prstGeom>
+          <a:noFill/>
+          <a:ln w="9525" cap="flat" cmpd="sng">
+            <a:solidFill>
+              <a:srgbClr val="FF0000"/>
+            </a:solidFill>
+            <a:prstDash val="solid"/>
+            <a:round/>
+            <a:headEnd type="none" w="sm" len="sm"/>
+            <a:tailEnd type="none" w="sm" len="sm"/>
+          </a:ln>
+        </p:spPr>
+        <p:txBody>
+          <a:bodyPr spcFirstLastPara="1" wrap="square" lIns="121900" tIns="121900" rIns="121900" bIns="121900" anchor="ctr" anchorCtr="0">
+            <a:noAutofit/>
+          </a:bodyPr>
+          <a:lstStyle/>
+          <a:p>
+            <a:endParaRPr sz="2400"/>
+          </a:p>
+        </p:txBody>
+      </p:sp>
+      <p:sp>
+        <p:nvSpPr>
+          <p:cNvPr id="88" name="Google Shape;88;p17"/>
+          <p:cNvSpPr/>
+          <p:nvPr/>
+        </p:nvSpPr>
+        <p:spPr>
+          <a:xfrm>
+            <a:off x="1327933" y="3232100"/>
+            <a:ext cx="3024148" cy="622270"/>
+          </a:xfrm>
+          <a:prstGeom prst="rect">
+            <a:avLst/>
+          </a:prstGeom>
+          <a:noFill/>
+          <a:ln w="9525" cap="flat" cmpd="sng">
+            <a:solidFill>
+              <a:srgbClr val="FF0000"/>
+            </a:solidFill>
+            <a:prstDash val="solid"/>
+            <a:round/>
+            <a:headEnd type="none" w="sm" len="sm"/>
+            <a:tailEnd type="none" w="sm" len="sm"/>
+          </a:ln>
+        </p:spPr>
+        <p:txBody>
+          <a:bodyPr spcFirstLastPara="1" wrap="square" lIns="121900" tIns="121900" rIns="121900" bIns="121900" anchor="ctr" anchorCtr="0">
+            <a:noAutofit/>
+          </a:bodyPr>
+          <a:lstStyle/>
+          <a:p>
+            <a:endParaRPr sz="2400"/>
+          </a:p>
+        </p:txBody>
+      </p:sp>
+      <p:sp>
+        <p:nvSpPr>
+          <p:cNvPr id="89" name="Google Shape;89;p17"/>
+          <p:cNvSpPr/>
+          <p:nvPr/>
+        </p:nvSpPr>
+        <p:spPr>
+          <a:xfrm>
+            <a:off x="906600" y="4321896"/>
+            <a:ext cx="4478000" cy="1766387"/>
+          </a:xfrm>
+          <a:prstGeom prst="rect">
+            <a:avLst/>
+          </a:prstGeom>
+          <a:noFill/>
+          <a:ln w="9525" cap="flat" cmpd="sng">
+            <a:solidFill>
+              <a:srgbClr val="FF0000"/>
+            </a:solidFill>
+            <a:prstDash val="solid"/>
+            <a:round/>
+            <a:headEnd type="none" w="sm" len="sm"/>
+            <a:tailEnd type="none" w="sm" len="sm"/>
+          </a:ln>
+        </p:spPr>
+        <p:txBody>
+          <a:bodyPr spcFirstLastPara="1" wrap="square" lIns="121900" tIns="121900" rIns="121900" bIns="121900" anchor="ctr" anchorCtr="0">
+            <a:noAutofit/>
+          </a:bodyPr>
+          <a:lstStyle/>
+          <a:p>
+            <a:endParaRPr sz="2400"/>
+          </a:p>
+        </p:txBody>
+      </p:sp>
+      <p:sp>
+        <p:nvSpPr>
+          <p:cNvPr id="90" name="Google Shape;90;p17"/>
+          <p:cNvSpPr txBox="1">
+            <a:spLocks noGrp="1"/>
+          </p:cNvSpPr>
+          <p:nvPr>
+            <p:ph type="body" idx="3"/>
+          </p:nvPr>
+        </p:nvSpPr>
+        <p:spPr>
+          <a:xfrm>
+            <a:off x="6172200" y="1690729"/>
+            <a:ext cx="5183200" cy="824000"/>
+          </a:xfrm>
+          <a:prstGeom prst="rect">
+            <a:avLst/>
+          </a:prstGeom>
+          <a:noFill/>
+          <a:ln>
+            <a:noFill/>
+          </a:ln>
+        </p:spPr>
+        <p:txBody>
+          <a:bodyPr spcFirstLastPara="1" vert="horz" wrap="square" lIns="91433" tIns="45700" rIns="91433" bIns="45700" rtlCol="0" anchor="b" anchorCtr="0">
+            <a:normAutofit/>
+          </a:bodyPr>
+          <a:lstStyle/>
+          <a:p>
+            <a:pPr>
+              <a:spcBef>
+                <a:spcPts val="0"/>
+              </a:spcBef>
+              <a:spcAft>
+                <a:spcPts val="1600"/>
+              </a:spcAft>
+              <a:buClr>
+                <a:schemeClr val="dk1"/>
+              </a:buClr>
+              <a:buSzPts val="1800"/>
+            </a:pPr>
+            <a:r>
+              <a:rPr lang="en-GB" dirty="0"/>
+              <a:t>Requirements</a:t>
+            </a:r>
+            <a:endParaRPr dirty="0"/>
+          </a:p>
+        </p:txBody>
+      </p:sp>
+      <p:sp>
+        <p:nvSpPr>
+          <p:cNvPr id="5" name="Content Placeholder 3">
+            <a:extLst>
+              <a:ext uri="{FF2B5EF4-FFF2-40B4-BE49-F238E27FC236}">
+                <a16:creationId xmlns:a16="http://schemas.microsoft.com/office/drawing/2014/main" id="{798B644B-5FFC-1E97-4FFA-5A183E2ED0B0}"/>
+              </a:ext>
+            </a:extLst>
+          </p:cNvPr>
+          <p:cNvSpPr>
+            <a:spLocks noGrp="1"/>
+          </p:cNvSpPr>
+          <p:nvPr>
+            <p:ph sz="quarter" idx="4"/>
+          </p:nvPr>
+        </p:nvSpPr>
+        <p:spPr>
+          <a:xfrm>
+            <a:off x="6172199" y="2505075"/>
+            <a:ext cx="5657127" cy="3684588"/>
+          </a:xfrm>
+        </p:spPr>
+        <p:txBody>
+          <a:bodyPr>
+            <a:noAutofit/>
+          </a:bodyPr>
+          <a:lstStyle/>
+          <a:p>
+            <a:r>
+              <a:rPr lang="en-US" sz="3600" dirty="0"/>
+              <a:t>Causality</a:t>
+            </a:r>
+          </a:p>
+          <a:p>
+            <a:pPr lvl="1"/>
+            <a:r>
+              <a:rPr lang="en-US" sz="2800" dirty="0"/>
+              <a:t>Time is asymmetric</a:t>
+            </a:r>
+          </a:p>
+          <a:p>
+            <a:pPr lvl="1"/>
+            <a:r>
+              <a:rPr lang="en-US" sz="2800" dirty="0"/>
+              <a:t>Predict future (not past)</a:t>
+            </a:r>
+          </a:p>
+          <a:p>
+            <a:r>
+              <a:rPr lang="en-US" sz="3600" dirty="0"/>
+              <a:t>Timeliness</a:t>
+            </a:r>
+          </a:p>
+          <a:p>
+            <a:pPr lvl="1"/>
+            <a:r>
+              <a:rPr lang="en-US" sz="2800" dirty="0"/>
+              <a:t>Indexes go stale quickly (months)</a:t>
+            </a:r>
+          </a:p>
+          <a:p>
+            <a:pPr lvl="1"/>
+            <a:r>
+              <a:rPr lang="en-US" sz="2800" dirty="0"/>
+              <a:t>Desiderata: incremental updates</a:t>
+            </a:r>
+          </a:p>
+        </p:txBody>
+      </p:sp>
+    </p:spTree>
+  </p:cSld>
+  <p:clrMapOvr>
+    <a:masterClrMapping/>
+  </p:clrMapOvr>
+  <p:timing>
+    <p:tnLst>
+      <p:par>
+        <p:cTn id="1" dur="indefinite" restart="never" nodeType="tmRoot">
+          <p:childTnLst>
+            <p:seq concurrent="1" nextAc="seek">
+              <p:cTn id="2" dur="indefinite" nodeType="mainSeq">
+                <p:childTnLst>
+                  <p:par>
+                    <p:cTn id="3" fill="hold">
+                      <p:stCondLst>
+                        <p:cond delay="indefinite"/>
+                      </p:stCondLst>
+                      <p:childTnLst>
+                        <p:par>
+                          <p:cTn id="4" fill="hold">
+                            <p:stCondLst>
+                              <p:cond delay="0"/>
+                            </p:stCondLst>
+                            <p:childTnLst>
+                              <p:par>
+                                <p:cTn id="5" presetID="1" presetClass="entr" presetSubtype="0" fill="hold" grpId="0" nodeType="clickEffect">
+                                  <p:stCondLst>
+                                    <p:cond delay="0"/>
+                                  </p:stCondLst>
+                                  <p:childTnLst>
+                                    <p:set>
+                                      <p:cBhvr>
+                                        <p:cTn id="6" dur="1" fill="hold">
+                                          <p:stCondLst>
+                                            <p:cond delay="0"/>
+                                          </p:stCondLst>
+                                        </p:cTn>
+                                        <p:tgtEl>
+                                          <p:spTgt spid="87"/>
+                                        </p:tgtEl>
+                                        <p:attrNameLst>
+                                          <p:attrName>style.visibility</p:attrName>
+                                        </p:attrNameLst>
+                                      </p:cBhvr>
+                                      <p:to>
+                                        <p:strVal val="visible"/>
+                                      </p:to>
+                                    </p:set>
+                                  </p:childTnLst>
+                                </p:cTn>
+                              </p:par>
+                            </p:childTnLst>
+                          </p:cTn>
+                        </p:par>
+                      </p:childTnLst>
+                    </p:cTn>
+                  </p:par>
+                  <p:par>
+                    <p:cTn id="7" fill="hold">
+                      <p:stCondLst>
+                        <p:cond delay="indefinite"/>
+                      </p:stCondLst>
+                      <p:childTnLst>
+                        <p:par>
+                          <p:cTn id="8" fill="hold">
+                            <p:stCondLst>
+                              <p:cond delay="0"/>
+                            </p:stCondLst>
+                            <p:childTnLst>
+                              <p:par>
+                                <p:cTn id="9" presetID="1" presetClass="entr" presetSubtype="0" fill="hold" grpId="0" nodeType="clickEffect">
+                                  <p:stCondLst>
+                                    <p:cond delay="0"/>
+                                  </p:stCondLst>
+                                  <p:childTnLst>
+                                    <p:set>
+                                      <p:cBhvr>
+                                        <p:cTn id="10" dur="1" fill="hold">
+                                          <p:stCondLst>
+                                            <p:cond delay="0"/>
+                                          </p:stCondLst>
+                                        </p:cTn>
+                                        <p:tgtEl>
+                                          <p:spTgt spid="88"/>
+                                        </p:tgtEl>
+                                        <p:attrNameLst>
+                                          <p:attrName>style.visibility</p:attrName>
+                                        </p:attrNameLst>
+                                      </p:cBhvr>
+                                      <p:to>
+                                        <p:strVal val="visible"/>
+                                      </p:to>
+                                    </p:set>
+                                  </p:childTnLst>
+                                </p:cTn>
+                              </p:par>
+                            </p:childTnLst>
+                          </p:cTn>
+                        </p:par>
+                      </p:childTnLst>
+                    </p:cTn>
+                  </p:par>
+                  <p:par>
+                    <p:cTn id="11" fill="hold">
+                      <p:stCondLst>
+                        <p:cond delay="indefinite"/>
+                      </p:stCondLst>
+                      <p:childTnLst>
+                        <p:par>
+                          <p:cTn id="12" fill="hold">
+                            <p:stCondLst>
+                              <p:cond delay="0"/>
+                            </p:stCondLst>
+                            <p:childTnLst>
+                              <p:par>
+                                <p:cTn id="13" presetID="1" presetClass="entr" presetSubtype="0" fill="hold" grpId="0" nodeType="clickEffect">
+                                  <p:stCondLst>
+                                    <p:cond delay="0"/>
+                                  </p:stCondLst>
+                                  <p:childTnLst>
+                                    <p:set>
+                                      <p:cBhvr>
+                                        <p:cTn id="14" dur="1" fill="hold">
+                                          <p:stCondLst>
+                                            <p:cond delay="0"/>
+                                          </p:stCondLst>
+                                        </p:cTn>
+                                        <p:tgtEl>
+                                          <p:spTgt spid="89"/>
+                                        </p:tgtEl>
+                                        <p:attrNameLst>
+                                          <p:attrName>style.visibility</p:attrName>
+                                        </p:attrNameLst>
+                                      </p:cBhvr>
+                                      <p:to>
+                                        <p:strVal val="visible"/>
+                                      </p:to>
+                                    </p:set>
+                                  </p:childTnLst>
+                                </p:cTn>
+                              </p:par>
+                            </p:childTnLst>
+                          </p:cTn>
+                        </p:par>
+                      </p:childTnLst>
+                    </p:cTn>
+                  </p:par>
+                  <p:par>
+                    <p:cTn id="15" fill="hold">
+                      <p:stCondLst>
+                        <p:cond delay="indefinite"/>
+                      </p:stCondLst>
+                      <p:childTnLst>
+                        <p:par>
+                          <p:cTn id="16" fill="hold">
+                            <p:stCondLst>
+                              <p:cond delay="0"/>
+                            </p:stCondLst>
+                            <p:childTnLst>
+                              <p:par>
+                                <p:cTn id="17" presetID="1" presetClass="entr" presetSubtype="0" fill="hold" nodeType="clickEffect">
+                                  <p:stCondLst>
+                                    <p:cond delay="0"/>
+                                  </p:stCondLst>
+                                  <p:childTnLst>
+                                    <p:set>
+                                      <p:cBhvr>
+                                        <p:cTn id="18" dur="1" fill="hold">
+                                          <p:stCondLst>
+                                            <p:cond delay="0"/>
+                                          </p:stCondLst>
+                                        </p:cTn>
+                                        <p:tgtEl>
+                                          <p:spTgt spid="5">
+                                            <p:txEl>
+                                              <p:pRg st="0" end="0"/>
+                                            </p:txEl>
+                                          </p:spTgt>
+                                        </p:tgtEl>
+                                        <p:attrNameLst>
+                                          <p:attrName>style.visibility</p:attrName>
+                                        </p:attrNameLst>
+                                      </p:cBhvr>
+                                      <p:to>
+                                        <p:strVal val="visible"/>
+                                      </p:to>
+                                    </p:set>
+                                  </p:childTnLst>
+                                </p:cTn>
+                              </p:par>
+                              <p:par>
+                                <p:cTn id="19" presetID="1" presetClass="entr" presetSubtype="0" fill="hold" nodeType="withEffect">
+                                  <p:stCondLst>
+                                    <p:cond delay="0"/>
+                                  </p:stCondLst>
+                                  <p:childTnLst>
+                                    <p:set>
+                                      <p:cBhvr>
+                                        <p:cTn id="20" dur="1" fill="hold">
+                                          <p:stCondLst>
+                                            <p:cond delay="0"/>
+                                          </p:stCondLst>
+                                        </p:cTn>
+                                        <p:tgtEl>
+                                          <p:spTgt spid="5">
+                                            <p:txEl>
+                                              <p:pRg st="1" end="1"/>
+                                            </p:txEl>
+                                          </p:spTgt>
+                                        </p:tgtEl>
+                                        <p:attrNameLst>
+                                          <p:attrName>style.visibility</p:attrName>
+                                        </p:attrNameLst>
+                                      </p:cBhvr>
+                                      <p:to>
+                                        <p:strVal val="visible"/>
+                                      </p:to>
+                                    </p:set>
+                                  </p:childTnLst>
+                                </p:cTn>
+                              </p:par>
+                              <p:par>
+                                <p:cTn id="21" presetID="1" presetClass="entr" presetSubtype="0" fill="hold" nodeType="withEffect">
+                                  <p:stCondLst>
+                                    <p:cond delay="0"/>
+                                  </p:stCondLst>
+                                  <p:childTnLst>
+                                    <p:set>
+                                      <p:cBhvr>
+                                        <p:cTn id="22" dur="1" fill="hold">
+                                          <p:stCondLst>
+                                            <p:cond delay="0"/>
+                                          </p:stCondLst>
+                                        </p:cTn>
+                                        <p:tgtEl>
+                                          <p:spTgt spid="5">
+                                            <p:txEl>
+                                              <p:pRg st="2" end="2"/>
+                                            </p:txEl>
+                                          </p:spTgt>
+                                        </p:tgtEl>
+                                        <p:attrNameLst>
+                                          <p:attrName>style.visibility</p:attrName>
+                                        </p:attrNameLst>
+                                      </p:cBhvr>
+                                      <p:to>
+                                        <p:strVal val="visible"/>
+                                      </p:to>
+                                    </p:set>
+                                  </p:childTnLst>
+                                </p:cTn>
+                              </p:par>
+                            </p:childTnLst>
+                          </p:cTn>
+                        </p:par>
+                      </p:childTnLst>
+                    </p:cTn>
+                  </p:par>
+                  <p:par>
+                    <p:cTn id="23" fill="hold">
+                      <p:stCondLst>
+                        <p:cond delay="indefinite"/>
+                      </p:stCondLst>
+                      <p:childTnLst>
+                        <p:par>
+                          <p:cTn id="24" fill="hold">
+                            <p:stCondLst>
+                              <p:cond delay="0"/>
+                            </p:stCondLst>
+                            <p:childTnLst>
+                              <p:par>
+                                <p:cTn id="25" presetID="1" presetClass="entr" presetSubtype="0" fill="hold" nodeType="clickEffect">
+                                  <p:stCondLst>
+                                    <p:cond delay="0"/>
+                                  </p:stCondLst>
+                                  <p:childTnLst>
+                                    <p:set>
+                                      <p:cBhvr>
+                                        <p:cTn id="26" dur="1" fill="hold">
+                                          <p:stCondLst>
+                                            <p:cond delay="0"/>
+                                          </p:stCondLst>
+                                        </p:cTn>
+                                        <p:tgtEl>
+                                          <p:spTgt spid="5">
+                                            <p:txEl>
+                                              <p:pRg st="3" end="3"/>
+                                            </p:txEl>
+                                          </p:spTgt>
+                                        </p:tgtEl>
+                                        <p:attrNameLst>
+                                          <p:attrName>style.visibility</p:attrName>
+                                        </p:attrNameLst>
+                                      </p:cBhvr>
+                                      <p:to>
+                                        <p:strVal val="visible"/>
+                                      </p:to>
+                                    </p:set>
+                                  </p:childTnLst>
+                                </p:cTn>
+                              </p:par>
+                              <p:par>
+                                <p:cTn id="27" presetID="1" presetClass="entr" presetSubtype="0" fill="hold" nodeType="withEffect">
+                                  <p:stCondLst>
+                                    <p:cond delay="0"/>
+                                  </p:stCondLst>
+                                  <p:childTnLst>
+                                    <p:set>
+                                      <p:cBhvr>
+                                        <p:cTn id="28" dur="1" fill="hold">
+                                          <p:stCondLst>
+                                            <p:cond delay="0"/>
+                                          </p:stCondLst>
+                                        </p:cTn>
+                                        <p:tgtEl>
+                                          <p:spTgt spid="5">
+                                            <p:txEl>
+                                              <p:pRg st="4" end="4"/>
+                                            </p:txEl>
+                                          </p:spTgt>
+                                        </p:tgtEl>
+                                        <p:attrNameLst>
+                                          <p:attrName>style.visibility</p:attrName>
+                                        </p:attrNameLst>
+                                      </p:cBhvr>
+                                      <p:to>
+                                        <p:strVal val="visible"/>
+                                      </p:to>
+                                    </p:set>
+                                  </p:childTnLst>
+                                </p:cTn>
+                              </p:par>
+                              <p:par>
+                                <p:cTn id="29" presetID="1" presetClass="entr" presetSubtype="0" fill="hold" nodeType="withEffect">
+                                  <p:stCondLst>
+                                    <p:cond delay="0"/>
+                                  </p:stCondLst>
+                                  <p:childTnLst>
+                                    <p:set>
+                                      <p:cBhvr>
+                                        <p:cTn id="30" dur="1" fill="hold">
+                                          <p:stCondLst>
+                                            <p:cond delay="0"/>
+                                          </p:stCondLst>
+                                        </p:cTn>
+                                        <p:tgtEl>
+                                          <p:spTgt spid="5">
+                                            <p:txEl>
+                                              <p:pRg st="5" end="5"/>
+                                            </p:txEl>
+                                          </p:spTgt>
+                                        </p:tgtEl>
+                                        <p:attrNameLst>
+                                          <p:attrName>style.visibility</p:attrName>
+                                        </p:attrNameLst>
+                                      </p:cBhvr>
+                                      <p:to>
+                                        <p:strVal val="visible"/>
+                                      </p:to>
+                                    </p:set>
+                                  </p:childTnLst>
+                                </p:cTn>
+                              </p:par>
+                            </p:childTnLst>
+                          </p:cTn>
+                        </p:par>
+                      </p:childTnLst>
+                    </p:cTn>
+                  </p:par>
+                </p:childTnLst>
+              </p:cTn>
+              <p:prevCondLst>
+                <p:cond evt="onPrev" delay="0">
+                  <p:tgtEl>
+                    <p:sldTgt/>
+                  </p:tgtEl>
+                </p:cond>
+              </p:prevCondLst>
+              <p:nextCondLst>
+                <p:cond evt="onNext" delay="0">
+                  <p:tgtEl>
+                    <p:sldTgt/>
+                  </p:tgtEl>
+                </p:cond>
+              </p:nextCondLst>
+            </p:seq>
+          </p:childTnLst>
+        </p:cTn>
+      </p:par>
+    </p:tnLst>
+    <p:bldLst>
+      <p:bldP spid="87" grpId="0" animBg="1"/>
+      <p:bldP spid="88" grpId="0" animBg="1"/>
+      <p:bldP spid="89" grpId="0" animBg="1"/>
+    </p:bldLst>
+  </p:timing>
+</p:sld>
+</file>
+
+<file path=ppt/slides/slide16.xml><?xml version="1.0" encoding="utf-8"?>
+<p:sld xmlns:a="http://schemas.openxmlformats.org/drawingml/2006/main" xmlns:r="http://schemas.openxmlformats.org/officeDocument/2006/relationships" xmlns:p="http://schemas.openxmlformats.org/presentationml/2006/main">
+  <p:cSld>
+    <p:spTree>
+      <p:nvGrpSpPr>
+        <p:cNvPr id="1" name="Shape 108"/>
+        <p:cNvGrpSpPr/>
+        <p:nvPr/>
+      </p:nvGrpSpPr>
+      <p:grpSpPr>
+        <a:xfrm>
+          <a:off x="0" y="0"/>
+          <a:ext cx="0" cy="0"/>
+          <a:chOff x="0" y="0"/>
+          <a:chExt cx="0" cy="0"/>
+        </a:xfrm>
+      </p:grpSpPr>
+      <p:graphicFrame>
+        <p:nvGraphicFramePr>
+          <p:cNvPr id="109" name="Google Shape;109;p20"/>
+          <p:cNvGraphicFramePr/>
+          <p:nvPr/>
+        </p:nvGraphicFramePr>
+        <p:xfrm>
+          <a:off x="70700" y="1056767"/>
+          <a:ext cx="5811300" cy="4266920"/>
+        </p:xfrm>
+        <a:graphic>
+          <a:graphicData uri="http://schemas.openxmlformats.org/drawingml/2006/table">
+            <a:tbl>
+              <a:tblPr>
+                <a:noFill/>
+              </a:tblPr>
+              <a:tblGrid>
+                <a:gridCol w="733333">
+                  <a:extLst>
+                    <a:ext uri="{9D8B030D-6E8A-4147-A177-3AD203B41FA5}">
+                      <a16:colId xmlns:a16="http://schemas.microsoft.com/office/drawing/2014/main" val="20000"/>
+                    </a:ext>
+                  </a:extLst>
+                </a:gridCol>
+                <a:gridCol w="1462900">
+                  <a:extLst>
+                    <a:ext uri="{9D8B030D-6E8A-4147-A177-3AD203B41FA5}">
+                      <a16:colId xmlns:a16="http://schemas.microsoft.com/office/drawing/2014/main" val="20001"/>
+                    </a:ext>
+                  </a:extLst>
+                </a:gridCol>
+                <a:gridCol w="3615067">
+                  <a:extLst>
+                    <a:ext uri="{9D8B030D-6E8A-4147-A177-3AD203B41FA5}">
+                      <a16:colId xmlns:a16="http://schemas.microsoft.com/office/drawing/2014/main" val="20002"/>
+                    </a:ext>
+                  </a:extLst>
+                </a:gridCol>
+              </a:tblGrid>
+              <a:tr h="609560">
+                <a:tc>
+                  <a:txBody>
+                    <a:bodyPr/>
+                    <a:lstStyle/>
+                    <a:p>
+                      <a:pPr marL="0" lvl="0" indent="0" algn="l" rtl="0">
+                        <a:spcBef>
+                          <a:spcPts val="0"/>
+                        </a:spcBef>
+                        <a:spcAft>
+                          <a:spcPts val="0"/>
+                        </a:spcAft>
+                        <a:buNone/>
+                      </a:pPr>
+                      <a:r>
+                        <a:rPr lang="en-GB" sz="2400"/>
+                        <a:t>idx</a:t>
+                      </a:r>
+                      <a:endParaRPr sz="2400"/>
+                    </a:p>
+                  </a:txBody>
+                  <a:tcPr marL="121900" marR="121900" marT="121900" marB="121900"/>
+                </a:tc>
+                <a:tc>
+                  <a:txBody>
+                    <a:bodyPr/>
+                    <a:lstStyle/>
+                    <a:p>
+                      <a:pPr marL="0" lvl="0" indent="0" algn="l" rtl="0">
+                        <a:spcBef>
+                          <a:spcPts val="0"/>
+                        </a:spcBef>
+                        <a:spcAft>
+                          <a:spcPts val="0"/>
+                        </a:spcAft>
+                        <a:buNone/>
+                      </a:pPr>
+                      <a:r>
+                        <a:rPr lang="en-GB" sz="2400">
+                          <a:solidFill>
+                            <a:schemeClr val="dk1"/>
+                          </a:solidFill>
+                        </a:rPr>
+                        <a:t>Pub Year</a:t>
+                      </a:r>
+                      <a:endParaRPr sz="2400">
+                        <a:solidFill>
+                          <a:schemeClr val="dk1"/>
+                        </a:solidFill>
+                      </a:endParaRPr>
+                    </a:p>
+                  </a:txBody>
+                  <a:tcPr marL="121900" marR="121900" marT="121900" marB="121900"/>
+                </a:tc>
+                <a:tc>
+                  <a:txBody>
+                    <a:bodyPr/>
+                    <a:lstStyle/>
+                    <a:p>
+                      <a:pPr marL="0" lvl="0" indent="0" algn="l" rtl="0">
+                        <a:spcBef>
+                          <a:spcPts val="0"/>
+                        </a:spcBef>
+                        <a:spcAft>
+                          <a:spcPts val="0"/>
+                        </a:spcAft>
+                        <a:buNone/>
+                      </a:pPr>
+                      <a:r>
+                        <a:rPr lang="en-GB" sz="1600" dirty="0"/>
+                        <a:t>Paper Title</a:t>
+                      </a:r>
+                      <a:endParaRPr sz="1600" dirty="0"/>
+                    </a:p>
+                  </a:txBody>
+                  <a:tcPr marL="121900" marR="121900" marT="121900" marB="121900"/>
+                </a:tc>
+                <a:extLst>
+                  <a:ext uri="{0D108BD9-81ED-4DB2-BD59-A6C34878D82A}">
+                    <a16:rowId xmlns:a16="http://schemas.microsoft.com/office/drawing/2014/main" val="10000"/>
+                  </a:ext>
+                </a:extLst>
+              </a:tr>
+              <a:tr h="609560">
+                <a:tc>
+                  <a:txBody>
+                    <a:bodyPr/>
+                    <a:lstStyle/>
+                    <a:p>
+                      <a:pPr marL="0" lvl="0" indent="0" algn="l" rtl="0">
+                        <a:spcBef>
+                          <a:spcPts val="0"/>
+                        </a:spcBef>
+                        <a:spcAft>
+                          <a:spcPts val="0"/>
+                        </a:spcAft>
+                        <a:buNone/>
+                      </a:pPr>
+                      <a:r>
+                        <a:rPr lang="en-GB" sz="2400"/>
+                        <a:t>1</a:t>
+                      </a:r>
+                      <a:endParaRPr sz="2400"/>
+                    </a:p>
+                  </a:txBody>
+                  <a:tcPr marL="121900" marR="121900" marT="121900" marB="121900"/>
+                </a:tc>
+                <a:tc>
+                  <a:txBody>
+                    <a:bodyPr/>
+                    <a:lstStyle/>
+                    <a:p>
+                      <a:pPr marL="0" lvl="0" indent="0" algn="l" rtl="0">
+                        <a:spcBef>
+                          <a:spcPts val="0"/>
+                        </a:spcBef>
+                        <a:spcAft>
+                          <a:spcPts val="0"/>
+                        </a:spcAft>
+                        <a:buClr>
+                          <a:schemeClr val="dk1"/>
+                        </a:buClr>
+                        <a:buSzPts val="1100"/>
+                        <a:buFont typeface="Arial"/>
+                        <a:buNone/>
+                      </a:pPr>
+                      <a:r>
+                        <a:rPr lang="en-GB" sz="2400">
+                          <a:solidFill>
+                            <a:schemeClr val="dk1"/>
+                          </a:solidFill>
+                        </a:rPr>
+                        <a:t>2018</a:t>
+                      </a:r>
+                      <a:endParaRPr sz="2400"/>
+                    </a:p>
+                  </a:txBody>
+                  <a:tcPr marL="121900" marR="121900" marT="121900" marB="121900"/>
+                </a:tc>
+                <a:tc>
+                  <a:txBody>
+                    <a:bodyPr/>
+                    <a:lstStyle/>
+                    <a:p>
+                      <a:pPr marL="0" lvl="0" indent="0" algn="l" rtl="0">
+                        <a:spcBef>
+                          <a:spcPts val="0"/>
+                        </a:spcBef>
+                        <a:spcAft>
+                          <a:spcPts val="0"/>
+                        </a:spcAft>
+                        <a:buNone/>
+                      </a:pPr>
+                      <a:r>
+                        <a:rPr lang="en-GB" sz="1600"/>
+                        <a:t>[...] Photofragment imaging</a:t>
+                      </a:r>
+                      <a:endParaRPr sz="1600"/>
+                    </a:p>
+                  </a:txBody>
+                  <a:tcPr marL="121900" marR="121900" marT="121900" marB="121900"/>
+                </a:tc>
+                <a:extLst>
+                  <a:ext uri="{0D108BD9-81ED-4DB2-BD59-A6C34878D82A}">
+                    <a16:rowId xmlns:a16="http://schemas.microsoft.com/office/drawing/2014/main" val="10001"/>
+                  </a:ext>
+                </a:extLst>
+              </a:tr>
+              <a:tr h="609560">
+                <a:tc>
+                  <a:txBody>
+                    <a:bodyPr/>
+                    <a:lstStyle/>
+                    <a:p>
+                      <a:pPr marL="0" lvl="0" indent="0" algn="l" rtl="0">
+                        <a:spcBef>
+                          <a:spcPts val="0"/>
+                        </a:spcBef>
+                        <a:spcAft>
+                          <a:spcPts val="0"/>
+                        </a:spcAft>
+                        <a:buNone/>
+                      </a:pPr>
+                      <a:r>
+                        <a:rPr lang="en-GB" sz="2400"/>
+                        <a:t>2</a:t>
+                      </a:r>
+                      <a:endParaRPr sz="2400"/>
+                    </a:p>
+                  </a:txBody>
+                  <a:tcPr marL="121900" marR="121900" marT="121900" marB="121900"/>
+                </a:tc>
+                <a:tc>
+                  <a:txBody>
+                    <a:bodyPr/>
+                    <a:lstStyle/>
+                    <a:p>
+                      <a:pPr marL="0" lvl="0" indent="0" algn="l" rtl="0">
+                        <a:spcBef>
+                          <a:spcPts val="0"/>
+                        </a:spcBef>
+                        <a:spcAft>
+                          <a:spcPts val="0"/>
+                        </a:spcAft>
+                        <a:buNone/>
+                      </a:pPr>
+                      <a:r>
+                        <a:rPr lang="en-GB" sz="2400"/>
+                        <a:t>2016</a:t>
+                      </a:r>
+                      <a:endParaRPr sz="2400"/>
+                    </a:p>
+                  </a:txBody>
+                  <a:tcPr marL="121900" marR="121900" marT="121900" marB="121900"/>
+                </a:tc>
+                <a:tc>
+                  <a:txBody>
+                    <a:bodyPr/>
+                    <a:lstStyle/>
+                    <a:p>
+                      <a:pPr marL="0" lvl="0" indent="0" algn="l" rtl="0">
+                        <a:spcBef>
+                          <a:spcPts val="0"/>
+                        </a:spcBef>
+                        <a:spcAft>
+                          <a:spcPts val="0"/>
+                        </a:spcAft>
+                        <a:buNone/>
+                      </a:pPr>
+                      <a:r>
+                        <a:rPr lang="en-GB" sz="1600"/>
+                        <a:t>Convenient probe of S(1D2)[...]</a:t>
+                      </a:r>
+                      <a:endParaRPr sz="1600"/>
+                    </a:p>
+                  </a:txBody>
+                  <a:tcPr marL="121900" marR="121900" marT="121900" marB="121900"/>
+                </a:tc>
+                <a:extLst>
+                  <a:ext uri="{0D108BD9-81ED-4DB2-BD59-A6C34878D82A}">
+                    <a16:rowId xmlns:a16="http://schemas.microsoft.com/office/drawing/2014/main" val="10002"/>
+                  </a:ext>
+                </a:extLst>
+              </a:tr>
+              <a:tr h="609560">
+                <a:tc>
+                  <a:txBody>
+                    <a:bodyPr/>
+                    <a:lstStyle/>
+                    <a:p>
+                      <a:pPr marL="0" lvl="0" indent="0" algn="l" rtl="0">
+                        <a:spcBef>
+                          <a:spcPts val="0"/>
+                        </a:spcBef>
+                        <a:spcAft>
+                          <a:spcPts val="0"/>
+                        </a:spcAft>
+                        <a:buNone/>
+                      </a:pPr>
+                      <a:r>
+                        <a:rPr lang="en-GB" sz="2400"/>
+                        <a:t>3</a:t>
+                      </a:r>
+                      <a:endParaRPr sz="2400"/>
+                    </a:p>
+                  </a:txBody>
+                  <a:tcPr marL="121900" marR="121900" marT="121900" marB="121900"/>
+                </a:tc>
+                <a:tc>
+                  <a:txBody>
+                    <a:bodyPr/>
+                    <a:lstStyle/>
+                    <a:p>
+                      <a:pPr marL="0" lvl="0" indent="0" algn="l" rtl="0">
+                        <a:spcBef>
+                          <a:spcPts val="0"/>
+                        </a:spcBef>
+                        <a:spcAft>
+                          <a:spcPts val="0"/>
+                        </a:spcAft>
+                        <a:buNone/>
+                      </a:pPr>
+                      <a:r>
+                        <a:rPr lang="en-GB" sz="2400"/>
+                        <a:t>2005</a:t>
+                      </a:r>
+                      <a:endParaRPr sz="2400"/>
+                    </a:p>
+                  </a:txBody>
+                  <a:tcPr marL="121900" marR="121900" marT="121900" marB="121900"/>
+                </a:tc>
+                <a:tc>
+                  <a:txBody>
+                    <a:bodyPr/>
+                    <a:lstStyle/>
+                    <a:p>
+                      <a:pPr marL="0" lvl="0" indent="0" algn="l" rtl="0">
+                        <a:spcBef>
+                          <a:spcPts val="0"/>
+                        </a:spcBef>
+                        <a:spcAft>
+                          <a:spcPts val="0"/>
+                        </a:spcAft>
+                        <a:buNone/>
+                      </a:pPr>
+                      <a:r>
+                        <a:rPr lang="en-GB" sz="1600"/>
+                        <a:t>Megapixel ion imaging [...]</a:t>
+                      </a:r>
+                      <a:endParaRPr sz="1600"/>
+                    </a:p>
+                  </a:txBody>
+                  <a:tcPr marL="121900" marR="121900" marT="121900" marB="121900"/>
+                </a:tc>
+                <a:extLst>
+                  <a:ext uri="{0D108BD9-81ED-4DB2-BD59-A6C34878D82A}">
+                    <a16:rowId xmlns:a16="http://schemas.microsoft.com/office/drawing/2014/main" val="10003"/>
+                  </a:ext>
+                </a:extLst>
+              </a:tr>
+              <a:tr h="609560">
+                <a:tc>
+                  <a:txBody>
+                    <a:bodyPr/>
+                    <a:lstStyle/>
+                    <a:p>
+                      <a:pPr marL="0" lvl="0" indent="0" algn="l" rtl="0">
+                        <a:spcBef>
+                          <a:spcPts val="0"/>
+                        </a:spcBef>
+                        <a:spcAft>
+                          <a:spcPts val="0"/>
+                        </a:spcAft>
+                        <a:buNone/>
+                      </a:pPr>
+                      <a:r>
+                        <a:rPr lang="en-GB" sz="2400"/>
+                        <a:t>4</a:t>
+                      </a:r>
+                      <a:endParaRPr sz="2400"/>
+                    </a:p>
+                  </a:txBody>
+                  <a:tcPr marL="121900" marR="121900" marT="121900" marB="121900"/>
+                </a:tc>
+                <a:tc>
+                  <a:txBody>
+                    <a:bodyPr/>
+                    <a:lstStyle/>
+                    <a:p>
+                      <a:pPr marL="0" lvl="0" indent="0" algn="l" rtl="0">
+                        <a:spcBef>
+                          <a:spcPts val="0"/>
+                        </a:spcBef>
+                        <a:spcAft>
+                          <a:spcPts val="0"/>
+                        </a:spcAft>
+                        <a:buNone/>
+                      </a:pPr>
+                      <a:r>
+                        <a:rPr lang="en-GB" sz="2400"/>
+                        <a:t>2003</a:t>
+                      </a:r>
+                      <a:endParaRPr sz="2400"/>
+                    </a:p>
+                  </a:txBody>
+                  <a:tcPr marL="121900" marR="121900" marT="121900" marB="121900"/>
+                </a:tc>
+                <a:tc>
+                  <a:txBody>
+                    <a:bodyPr/>
+                    <a:lstStyle/>
+                    <a:p>
+                      <a:pPr marL="0" lvl="0" indent="0" algn="l" rtl="0">
+                        <a:spcBef>
+                          <a:spcPts val="0"/>
+                        </a:spcBef>
+                        <a:spcAft>
+                          <a:spcPts val="0"/>
+                        </a:spcAft>
+                        <a:buNone/>
+                      </a:pPr>
+                      <a:r>
+                        <a:rPr lang="en-GB" sz="1600" dirty="0"/>
+                        <a:t>Direct current slice imaging [...]</a:t>
+                      </a:r>
+                      <a:endParaRPr sz="1600" dirty="0"/>
+                    </a:p>
+                  </a:txBody>
+                  <a:tcPr marL="121900" marR="121900" marT="121900" marB="121900"/>
+                </a:tc>
+                <a:extLst>
+                  <a:ext uri="{0D108BD9-81ED-4DB2-BD59-A6C34878D82A}">
+                    <a16:rowId xmlns:a16="http://schemas.microsoft.com/office/drawing/2014/main" val="10004"/>
+                  </a:ext>
+                </a:extLst>
+              </a:tr>
+              <a:tr h="609560">
+                <a:tc>
+                  <a:txBody>
+                    <a:bodyPr/>
+                    <a:lstStyle/>
+                    <a:p>
+                      <a:pPr marL="0" lvl="0" indent="0" algn="l" rtl="0">
+                        <a:spcBef>
+                          <a:spcPts val="0"/>
+                        </a:spcBef>
+                        <a:spcAft>
+                          <a:spcPts val="0"/>
+                        </a:spcAft>
+                        <a:buNone/>
+                      </a:pPr>
+                      <a:r>
+                        <a:rPr lang="en-GB" sz="2400"/>
+                        <a:t>5</a:t>
+                      </a:r>
+                      <a:endParaRPr sz="2400"/>
+                    </a:p>
+                  </a:txBody>
+                  <a:tcPr marL="121900" marR="121900" marT="121900" marB="121900"/>
+                </a:tc>
+                <a:tc>
+                  <a:txBody>
+                    <a:bodyPr/>
+                    <a:lstStyle/>
+                    <a:p>
+                      <a:pPr marL="0" lvl="0" indent="0" algn="l" rtl="0">
+                        <a:spcBef>
+                          <a:spcPts val="0"/>
+                        </a:spcBef>
+                        <a:spcAft>
+                          <a:spcPts val="0"/>
+                        </a:spcAft>
+                        <a:buNone/>
+                      </a:pPr>
+                      <a:r>
+                        <a:rPr lang="en-GB" sz="2400"/>
+                        <a:t>1995</a:t>
+                      </a:r>
+                      <a:endParaRPr sz="2400"/>
+                    </a:p>
+                  </a:txBody>
+                  <a:tcPr marL="121900" marR="121900" marT="121900" marB="121900"/>
+                </a:tc>
+                <a:tc>
+                  <a:txBody>
+                    <a:bodyPr/>
+                    <a:lstStyle/>
+                    <a:p>
+                      <a:pPr marL="0" lvl="0" indent="0" algn="l" rtl="0">
+                        <a:spcBef>
+                          <a:spcPts val="0"/>
+                        </a:spcBef>
+                        <a:spcAft>
+                          <a:spcPts val="0"/>
+                        </a:spcAft>
+                        <a:buNone/>
+                      </a:pPr>
+                      <a:r>
+                        <a:rPr lang="en-GB" sz="1600"/>
+                        <a:t>profiles of Cl(2Pj) photofragments [...]</a:t>
+                      </a:r>
+                      <a:endParaRPr sz="1600"/>
+                    </a:p>
+                  </a:txBody>
+                  <a:tcPr marL="121900" marR="121900" marT="121900" marB="121900"/>
+                </a:tc>
+                <a:extLst>
+                  <a:ext uri="{0D108BD9-81ED-4DB2-BD59-A6C34878D82A}">
+                    <a16:rowId xmlns:a16="http://schemas.microsoft.com/office/drawing/2014/main" val="10005"/>
+                  </a:ext>
+                </a:extLst>
+              </a:tr>
+              <a:tr h="609560">
+                <a:tc>
+                  <a:txBody>
+                    <a:bodyPr/>
+                    <a:lstStyle/>
+                    <a:p>
+                      <a:pPr marL="0" lvl="0" indent="0" algn="l" rtl="0">
+                        <a:spcBef>
+                          <a:spcPts val="0"/>
+                        </a:spcBef>
+                        <a:spcAft>
+                          <a:spcPts val="0"/>
+                        </a:spcAft>
+                        <a:buNone/>
+                      </a:pPr>
+                      <a:r>
+                        <a:rPr lang="en-GB" sz="2400"/>
+                        <a:t>6</a:t>
+                      </a:r>
+                      <a:endParaRPr sz="2400"/>
+                    </a:p>
+                  </a:txBody>
+                  <a:tcPr marL="121900" marR="121900" marT="121900" marB="121900"/>
+                </a:tc>
+                <a:tc>
+                  <a:txBody>
+                    <a:bodyPr/>
+                    <a:lstStyle/>
+                    <a:p>
+                      <a:pPr marL="0" lvl="0" indent="0" algn="l" rtl="0">
+                        <a:spcBef>
+                          <a:spcPts val="0"/>
+                        </a:spcBef>
+                        <a:spcAft>
+                          <a:spcPts val="0"/>
+                        </a:spcAft>
+                        <a:buNone/>
+                      </a:pPr>
+                      <a:r>
+                        <a:rPr lang="en-GB" sz="2400"/>
+                        <a:t>1988</a:t>
+                      </a:r>
+                      <a:endParaRPr sz="2400"/>
+                    </a:p>
+                  </a:txBody>
+                  <a:tcPr marL="121900" marR="121900" marT="121900" marB="121900"/>
+                </a:tc>
+                <a:tc>
+                  <a:txBody>
+                    <a:bodyPr/>
+                    <a:lstStyle/>
+                    <a:p>
+                      <a:pPr marL="0" lvl="0" indent="0" algn="l" rtl="0">
+                        <a:spcBef>
+                          <a:spcPts val="0"/>
+                        </a:spcBef>
+                        <a:spcAft>
+                          <a:spcPts val="0"/>
+                        </a:spcAft>
+                        <a:buNone/>
+                      </a:pPr>
+                      <a:r>
+                        <a:rPr lang="en-GB" sz="1600" dirty="0"/>
+                        <a:t>Adiabatic dissociation of [...]</a:t>
+                      </a:r>
+                      <a:endParaRPr sz="1600" dirty="0"/>
+                    </a:p>
+                  </a:txBody>
+                  <a:tcPr marL="121900" marR="121900" marT="121900" marB="121900"/>
+                </a:tc>
+                <a:extLst>
+                  <a:ext uri="{0D108BD9-81ED-4DB2-BD59-A6C34878D82A}">
+                    <a16:rowId xmlns:a16="http://schemas.microsoft.com/office/drawing/2014/main" val="10006"/>
+                  </a:ext>
+                </a:extLst>
+              </a:tr>
+            </a:tbl>
+          </a:graphicData>
+        </a:graphic>
+      </p:graphicFrame>
       <p:pic>
         <p:nvPicPr>
-          <p:cNvPr id="206" name="Google Shape;206;p30"/>
+          <p:cNvPr id="110" name="Google Shape;110;p20"/>
           <p:cNvPicPr preferRelativeResize="0"/>
           <p:nvPr/>
         </p:nvPicPr>
@@ -7327,8 +9017,8 @@
         </p:blipFill>
         <p:spPr>
           <a:xfrm>
-            <a:off x="5209600" y="1184121"/>
-            <a:ext cx="6732035" cy="4648312"/>
+            <a:off x="6013504" y="4077849"/>
+            <a:ext cx="6096001" cy="2497351"/>
           </a:xfrm>
           <a:prstGeom prst="rect">
             <a:avLst/>
@@ -7339,20 +9029,465 @@
           </a:ln>
         </p:spPr>
       </p:pic>
+      <p:pic>
+        <p:nvPicPr>
+          <p:cNvPr id="111" name="Google Shape;111;p20"/>
+          <p:cNvPicPr preferRelativeResize="0"/>
+          <p:nvPr/>
+        </p:nvPicPr>
+        <p:blipFill>
+          <a:blip r:embed="rId4">
+            <a:alphaModFix/>
+          </a:blip>
+          <a:stretch>
+            <a:fillRect/>
+          </a:stretch>
+        </p:blipFill>
+        <p:spPr>
+          <a:xfrm>
+            <a:off x="6013501" y="1056767"/>
+            <a:ext cx="6096001" cy="2205643"/>
+          </a:xfrm>
+          <a:prstGeom prst="rect">
+            <a:avLst/>
+          </a:prstGeom>
+          <a:noFill/>
+          <a:ln>
+            <a:noFill/>
+          </a:ln>
+        </p:spPr>
+      </p:pic>
+      <p:sp>
+        <p:nvSpPr>
+          <p:cNvPr id="112" name="Google Shape;112;p20"/>
+          <p:cNvSpPr txBox="1"/>
+          <p:nvPr/>
+        </p:nvSpPr>
+        <p:spPr>
+          <a:xfrm>
+            <a:off x="70700" y="344468"/>
+            <a:ext cx="5597200" cy="656614"/>
+          </a:xfrm>
+          <a:prstGeom prst="rect">
+            <a:avLst/>
+          </a:prstGeom>
+          <a:noFill/>
+          <a:ln>
+            <a:noFill/>
+          </a:ln>
+        </p:spPr>
+        <p:txBody>
+          <a:bodyPr spcFirstLastPara="1" wrap="square" lIns="121900" tIns="121900" rIns="121900" bIns="121900" anchor="t" anchorCtr="0">
+            <a:spAutoFit/>
+          </a:bodyPr>
+          <a:lstStyle/>
+          <a:p>
+            <a:r>
+              <a:rPr lang="en-GB" sz="2667" dirty="0"/>
+              <a:t>Example: 1 cites 2, 2 cites 3, … 5 cites 6</a:t>
+            </a:r>
+            <a:endParaRPr sz="2667" dirty="0"/>
+          </a:p>
+        </p:txBody>
+      </p:sp>
+      <p:sp>
+        <p:nvSpPr>
+          <p:cNvPr id="113" name="Google Shape;113;p20"/>
+          <p:cNvSpPr txBox="1"/>
+          <p:nvPr/>
+        </p:nvSpPr>
+        <p:spPr>
+          <a:xfrm>
+            <a:off x="6013501" y="344468"/>
+            <a:ext cx="5752267" cy="656614"/>
+          </a:xfrm>
+          <a:prstGeom prst="rect">
+            <a:avLst/>
+          </a:prstGeom>
+          <a:noFill/>
+          <a:ln>
+            <a:noFill/>
+          </a:ln>
+        </p:spPr>
+        <p:txBody>
+          <a:bodyPr spcFirstLastPara="1" wrap="square" lIns="121900" tIns="121900" rIns="121900" bIns="121900" anchor="t" anchorCtr="0">
+            <a:spAutoFit/>
+          </a:bodyPr>
+          <a:lstStyle/>
+          <a:p>
+            <a:r>
+              <a:rPr lang="en-GB" sz="2667" dirty="0"/>
+              <a:t>Traditional </a:t>
+            </a:r>
+            <a:r>
+              <a:rPr lang="en-GB" sz="2667" dirty="0">
+                <a:solidFill>
+                  <a:srgbClr val="93C47D"/>
+                </a:solidFill>
+              </a:rPr>
+              <a:t>Train</a:t>
+            </a:r>
+            <a:r>
+              <a:rPr lang="en-GB" sz="2667" dirty="0"/>
+              <a:t>-</a:t>
+            </a:r>
+            <a:r>
+              <a:rPr lang="en-GB" sz="2667" dirty="0">
+                <a:solidFill>
+                  <a:srgbClr val="A4C2F4"/>
+                </a:solidFill>
+              </a:rPr>
+              <a:t>Test</a:t>
+            </a:r>
+            <a:r>
+              <a:rPr lang="en-GB" sz="2667" dirty="0"/>
+              <a:t> Split (Non-Causal)</a:t>
+            </a:r>
+            <a:endParaRPr sz="2667" dirty="0"/>
+          </a:p>
+        </p:txBody>
+      </p:sp>
+      <p:sp>
+        <p:nvSpPr>
+          <p:cNvPr id="114" name="Google Shape;114;p20"/>
+          <p:cNvSpPr txBox="1"/>
+          <p:nvPr/>
+        </p:nvSpPr>
+        <p:spPr>
+          <a:xfrm>
+            <a:off x="6096000" y="3569634"/>
+            <a:ext cx="5811200" cy="656614"/>
+          </a:xfrm>
+          <a:prstGeom prst="rect">
+            <a:avLst/>
+          </a:prstGeom>
+          <a:noFill/>
+          <a:ln>
+            <a:noFill/>
+          </a:ln>
+        </p:spPr>
+        <p:txBody>
+          <a:bodyPr spcFirstLastPara="1" wrap="square" lIns="121900" tIns="121900" rIns="121900" bIns="121900" anchor="t" anchorCtr="0">
+            <a:spAutoFit/>
+          </a:bodyPr>
+          <a:lstStyle/>
+          <a:p>
+            <a:r>
+              <a:rPr lang="en-GB" sz="2667" dirty="0"/>
+              <a:t>Proposed </a:t>
+            </a:r>
+            <a:r>
+              <a:rPr lang="en-GB" sz="2667" dirty="0">
+                <a:solidFill>
+                  <a:srgbClr val="93C47D"/>
+                </a:solidFill>
+              </a:rPr>
+              <a:t>Train</a:t>
+            </a:r>
+            <a:r>
+              <a:rPr lang="en-GB" sz="2667" dirty="0"/>
+              <a:t>-</a:t>
+            </a:r>
+            <a:r>
+              <a:rPr lang="en-GB" sz="2667" dirty="0">
+                <a:solidFill>
+                  <a:srgbClr val="A4C2F4"/>
+                </a:solidFill>
+              </a:rPr>
+              <a:t>Test</a:t>
+            </a:r>
+            <a:r>
+              <a:rPr lang="en-GB" sz="2667" dirty="0"/>
+              <a:t> Splits (Causal)</a:t>
+            </a:r>
+            <a:endParaRPr sz="2667" dirty="0"/>
+          </a:p>
+        </p:txBody>
+      </p:sp>
     </p:spTree>
   </p:cSld>
   <p:clrMapOvr>
     <a:masterClrMapping/>
   </p:clrMapOvr>
+  <p:timing>
+    <p:tnLst>
+      <p:par>
+        <p:cTn id="1" dur="indefinite" restart="never" nodeType="tmRoot">
+          <p:childTnLst>
+            <p:seq concurrent="1" nextAc="seek">
+              <p:cTn id="2" dur="indefinite" nodeType="mainSeq">
+                <p:childTnLst>
+                  <p:par>
+                    <p:cTn id="3" fill="hold">
+                      <p:stCondLst>
+                        <p:cond delay="indefinite"/>
+                      </p:stCondLst>
+                      <p:childTnLst>
+                        <p:par>
+                          <p:cTn id="4" fill="hold">
+                            <p:stCondLst>
+                              <p:cond delay="0"/>
+                            </p:stCondLst>
+                            <p:childTnLst>
+                              <p:par>
+                                <p:cTn id="5" presetID="2" presetClass="entr" presetSubtype="4" fill="hold" grpId="0" nodeType="clickEffect">
+                                  <p:stCondLst>
+                                    <p:cond delay="0"/>
+                                  </p:stCondLst>
+                                  <p:childTnLst>
+                                    <p:set>
+                                      <p:cBhvr>
+                                        <p:cTn id="6" dur="1" fill="hold">
+                                          <p:stCondLst>
+                                            <p:cond delay="0"/>
+                                          </p:stCondLst>
+                                        </p:cTn>
+                                        <p:tgtEl>
+                                          <p:spTgt spid="114"/>
+                                        </p:tgtEl>
+                                        <p:attrNameLst>
+                                          <p:attrName>style.visibility</p:attrName>
+                                        </p:attrNameLst>
+                                      </p:cBhvr>
+                                      <p:to>
+                                        <p:strVal val="visible"/>
+                                      </p:to>
+                                    </p:set>
+                                    <p:anim calcmode="lin" valueType="num">
+                                      <p:cBhvr additive="base">
+                                        <p:cTn id="7" dur="500" fill="hold"/>
+                                        <p:tgtEl>
+                                          <p:spTgt spid="114"/>
+                                        </p:tgtEl>
+                                        <p:attrNameLst>
+                                          <p:attrName>ppt_x</p:attrName>
+                                        </p:attrNameLst>
+                                      </p:cBhvr>
+                                      <p:tavLst>
+                                        <p:tav tm="0">
+                                          <p:val>
+                                            <p:strVal val="#ppt_x"/>
+                                          </p:val>
+                                        </p:tav>
+                                        <p:tav tm="100000">
+                                          <p:val>
+                                            <p:strVal val="#ppt_x"/>
+                                          </p:val>
+                                        </p:tav>
+                                      </p:tavLst>
+                                    </p:anim>
+                                    <p:anim calcmode="lin" valueType="num">
+                                      <p:cBhvr additive="base">
+                                        <p:cTn id="8" dur="500" fill="hold"/>
+                                        <p:tgtEl>
+                                          <p:spTgt spid="114"/>
+                                        </p:tgtEl>
+                                        <p:attrNameLst>
+                                          <p:attrName>ppt_y</p:attrName>
+                                        </p:attrNameLst>
+                                      </p:cBhvr>
+                                      <p:tavLst>
+                                        <p:tav tm="0">
+                                          <p:val>
+                                            <p:strVal val="1+#ppt_h/2"/>
+                                          </p:val>
+                                        </p:tav>
+                                        <p:tav tm="100000">
+                                          <p:val>
+                                            <p:strVal val="#ppt_y"/>
+                                          </p:val>
+                                        </p:tav>
+                                      </p:tavLst>
+                                    </p:anim>
+                                  </p:childTnLst>
+                                </p:cTn>
+                              </p:par>
+                              <p:par>
+                                <p:cTn id="9" presetID="2" presetClass="entr" presetSubtype="4" fill="hold" nodeType="withEffect">
+                                  <p:stCondLst>
+                                    <p:cond delay="0"/>
+                                  </p:stCondLst>
+                                  <p:childTnLst>
+                                    <p:set>
+                                      <p:cBhvr>
+                                        <p:cTn id="10" dur="1" fill="hold">
+                                          <p:stCondLst>
+                                            <p:cond delay="0"/>
+                                          </p:stCondLst>
+                                        </p:cTn>
+                                        <p:tgtEl>
+                                          <p:spTgt spid="110"/>
+                                        </p:tgtEl>
+                                        <p:attrNameLst>
+                                          <p:attrName>style.visibility</p:attrName>
+                                        </p:attrNameLst>
+                                      </p:cBhvr>
+                                      <p:to>
+                                        <p:strVal val="visible"/>
+                                      </p:to>
+                                    </p:set>
+                                    <p:anim calcmode="lin" valueType="num">
+                                      <p:cBhvr additive="base">
+                                        <p:cTn id="11" dur="500" fill="hold"/>
+                                        <p:tgtEl>
+                                          <p:spTgt spid="110"/>
+                                        </p:tgtEl>
+                                        <p:attrNameLst>
+                                          <p:attrName>ppt_x</p:attrName>
+                                        </p:attrNameLst>
+                                      </p:cBhvr>
+                                      <p:tavLst>
+                                        <p:tav tm="0">
+                                          <p:val>
+                                            <p:strVal val="#ppt_x"/>
+                                          </p:val>
+                                        </p:tav>
+                                        <p:tav tm="100000">
+                                          <p:val>
+                                            <p:strVal val="#ppt_x"/>
+                                          </p:val>
+                                        </p:tav>
+                                      </p:tavLst>
+                                    </p:anim>
+                                    <p:anim calcmode="lin" valueType="num">
+                                      <p:cBhvr additive="base">
+                                        <p:cTn id="12" dur="500" fill="hold"/>
+                                        <p:tgtEl>
+                                          <p:spTgt spid="110"/>
+                                        </p:tgtEl>
+                                        <p:attrNameLst>
+                                          <p:attrName>ppt_y</p:attrName>
+                                        </p:attrNameLst>
+                                      </p:cBhvr>
+                                      <p:tavLst>
+                                        <p:tav tm="0">
+                                          <p:val>
+                                            <p:strVal val="1+#ppt_h/2"/>
+                                          </p:val>
+                                        </p:tav>
+                                        <p:tav tm="100000">
+                                          <p:val>
+                                            <p:strVal val="#ppt_y"/>
+                                          </p:val>
+                                        </p:tav>
+                                      </p:tavLst>
+                                    </p:anim>
+                                  </p:childTnLst>
+                                </p:cTn>
+                              </p:par>
+                            </p:childTnLst>
+                          </p:cTn>
+                        </p:par>
+                      </p:childTnLst>
+                    </p:cTn>
+                  </p:par>
+                  <p:par>
+                    <p:cTn id="13" fill="hold">
+                      <p:stCondLst>
+                        <p:cond delay="indefinite"/>
+                      </p:stCondLst>
+                      <p:childTnLst>
+                        <p:par>
+                          <p:cTn id="14" fill="hold">
+                            <p:stCondLst>
+                              <p:cond delay="0"/>
+                            </p:stCondLst>
+                            <p:childTnLst>
+                              <p:par>
+                                <p:cTn id="15" presetID="1" presetClass="entr" presetSubtype="0" fill="hold" grpId="0" nodeType="clickEffect">
+                                  <p:stCondLst>
+                                    <p:cond delay="0"/>
+                                  </p:stCondLst>
+                                  <p:childTnLst>
+                                    <p:set>
+                                      <p:cBhvr>
+                                        <p:cTn id="16" dur="1" fill="hold">
+                                          <p:stCondLst>
+                                            <p:cond delay="0"/>
+                                          </p:stCondLst>
+                                        </p:cTn>
+                                        <p:tgtEl>
+                                          <p:spTgt spid="113"/>
+                                        </p:tgtEl>
+                                        <p:attrNameLst>
+                                          <p:attrName>style.visibility</p:attrName>
+                                        </p:attrNameLst>
+                                      </p:cBhvr>
+                                      <p:to>
+                                        <p:strVal val="visible"/>
+                                      </p:to>
+                                    </p:set>
+                                  </p:childTnLst>
+                                </p:cTn>
+                              </p:par>
+                              <p:par>
+                                <p:cTn id="17" presetID="1" presetClass="entr" presetSubtype="0" fill="hold" nodeType="withEffect">
+                                  <p:stCondLst>
+                                    <p:cond delay="0"/>
+                                  </p:stCondLst>
+                                  <p:childTnLst>
+                                    <p:set>
+                                      <p:cBhvr>
+                                        <p:cTn id="18" dur="1" fill="hold">
+                                          <p:stCondLst>
+                                            <p:cond delay="0"/>
+                                          </p:stCondLst>
+                                        </p:cTn>
+                                        <p:tgtEl>
+                                          <p:spTgt spid="111"/>
+                                        </p:tgtEl>
+                                        <p:attrNameLst>
+                                          <p:attrName>style.visibility</p:attrName>
+                                        </p:attrNameLst>
+                                      </p:cBhvr>
+                                      <p:to>
+                                        <p:strVal val="visible"/>
+                                      </p:to>
+                                    </p:set>
+                                  </p:childTnLst>
+                                </p:cTn>
+                              </p:par>
+                            </p:childTnLst>
+                          </p:cTn>
+                        </p:par>
+                      </p:childTnLst>
+                    </p:cTn>
+                  </p:par>
+                </p:childTnLst>
+              </p:cTn>
+              <p:prevCondLst>
+                <p:cond evt="onPrev" delay="0">
+                  <p:tgtEl>
+                    <p:sldTgt/>
+                  </p:tgtEl>
+                </p:cond>
+              </p:prevCondLst>
+              <p:nextCondLst>
+                <p:cond evt="onNext" delay="0">
+                  <p:tgtEl>
+                    <p:sldTgt/>
+                  </p:tgtEl>
+                </p:cond>
+              </p:nextCondLst>
+            </p:seq>
+          </p:childTnLst>
+        </p:cTn>
+      </p:par>
+    </p:tnLst>
+    <p:bldLst>
+      <p:bldP spid="113" grpId="0"/>
+      <p:bldP spid="114" grpId="0"/>
+    </p:bldLst>
+  </p:timing>
 </p:sld>
 </file>
 
-<file path=ppt/slides/slide16.xml><?xml version="1.0" encoding="utf-8"?>
+<file path=ppt/slides/slide17.xml><?xml version="1.0" encoding="utf-8"?>
 <p:sld xmlns:a="http://schemas.openxmlformats.org/drawingml/2006/main" xmlns:r="http://schemas.openxmlformats.org/officeDocument/2006/relationships" xmlns:p="http://schemas.openxmlformats.org/presentationml/2006/main">
   <p:cSld>
     <p:spTree>
       <p:nvGrpSpPr>
-        <p:cNvPr id="1" name="Shape 210"/>
+        <p:cNvPr id="1" name="Shape 95"/>
         <p:cNvGrpSpPr/>
         <p:nvPr/>
       </p:nvGrpSpPr>
@@ -7366,7 +9501,7 @@
       </p:grpSpPr>
       <p:sp>
         <p:nvSpPr>
-          <p:cNvPr id="211" name="Google Shape;211;p31"/>
+          <p:cNvPr id="96" name="Google Shape;96;p18"/>
           <p:cNvSpPr txBox="1">
             <a:spLocks noGrp="1"/>
           </p:cNvSpPr>
@@ -7391,7 +9526,7 @@
           <a:p>
             <a:r>
               <a:rPr lang="en-GB"/>
-              <a:t>Partitioning a Graph for Train-Test</a:t>
+              <a:t>Pitfalls with Evaluating Paper Systems</a:t>
             </a:r>
             <a:endParaRPr/>
           </a:p>
@@ -7399,7 +9534,7 @@
       </p:sp>
       <p:sp>
         <p:nvSpPr>
-          <p:cNvPr id="212" name="Google Shape;212;p31"/>
+          <p:cNvPr id="97" name="Google Shape;97;p18"/>
           <p:cNvSpPr txBox="1">
             <a:spLocks noGrp="1"/>
           </p:cNvSpPr>
@@ -7409,8 +9544,8 @@
         </p:nvSpPr>
         <p:spPr>
           <a:xfrm>
-            <a:off x="415600" y="4757067"/>
-            <a:ext cx="11360800" cy="2021200"/>
+            <a:off x="415600" y="1536633"/>
+            <a:ext cx="11360800" cy="4555200"/>
           </a:xfrm>
           <a:prstGeom prst="rect">
             <a:avLst/>
@@ -7418,7 +9553,7 @@
         </p:spPr>
         <p:txBody>
           <a:bodyPr spcFirstLastPara="1" vert="horz" wrap="square" lIns="121900" tIns="121900" rIns="121900" bIns="121900" rtlCol="0" anchor="t" anchorCtr="0">
-            <a:normAutofit fontScale="92500" lnSpcReduction="20000"/>
+            <a:normAutofit/>
           </a:bodyPr>
           <a:lstStyle/>
           <a:p>
@@ -7426,32 +9561,18 @@
               <a:buNone/>
             </a:pPr>
             <a:r>
-              <a:rPr lang="en-GB" sz="2243"/>
-              <a:t>Partition the graph into test and train by a </a:t>
-            </a:r>
-            <a:r>
-              <a:rPr lang="en-GB" sz="2243" b="1"/>
-              <a:t>date</a:t>
-            </a:r>
-            <a:endParaRPr sz="2243" b="1"/>
-          </a:p>
-          <a:p>
-            <a:pPr indent="-425861">
-              <a:spcBef>
-                <a:spcPts val="1600"/>
-              </a:spcBef>
-              <a:buSzPct val="100000"/>
-              <a:buChar char="-"/>
-            </a:pPr>
-            <a:r>
-              <a:rPr lang="en-GB" sz="2243" b="1"/>
-              <a:t>But </a:t>
-            </a:r>
-            <a:r>
-              <a:rPr lang="en-GB" sz="2243"/>
-              <a:t>things are messy..</a:t>
-            </a:r>
-            <a:endParaRPr sz="2243"/>
+              <a:rPr lang="en-GB" dirty="0">
+                <a:solidFill>
+                  <a:srgbClr val="FF0000"/>
+                </a:solidFill>
+              </a:rPr>
+              <a:t>Evaluating within the Train set time</a:t>
+            </a:r>
+            <a:r>
+              <a:rPr lang="en-GB" dirty="0"/>
+              <a:t>: artificially easy (when we write papers, we can’t see what will be published in the future), introduces leakage</a:t>
+            </a:r>
+            <a:endParaRPr dirty="0"/>
           </a:p>
           <a:p>
             <a:pPr marL="0" indent="0">
@@ -7461,10 +9582,18 @@
               <a:buNone/>
             </a:pPr>
             <a:r>
-              <a:rPr lang="en-GB" sz="2243"/>
-              <a:t>All before are valid for training, everything afterwards is unseen to the model</a:t>
-            </a:r>
-            <a:endParaRPr sz="2243"/>
+              <a:rPr lang="en-GB" dirty="0">
+                <a:solidFill>
+                  <a:srgbClr val="FF0000"/>
+                </a:solidFill>
+              </a:rPr>
+              <a:t>Tasks artificially simplified</a:t>
+            </a:r>
+            <a:r>
+              <a:rPr lang="en-GB" dirty="0"/>
+              <a:t>: Citation recommendation tasks propose negatives as those papers with a restricted training set (1K-100K). In reality, the number of negatives is closer to 100M.</a:t>
+            </a:r>
+            <a:endParaRPr dirty="0"/>
           </a:p>
           <a:p>
             <a:pPr marL="0" indent="0">
@@ -7474,66 +9603,170 @@
               <a:spcAft>
                 <a:spcPts val="1600"/>
               </a:spcAft>
+              <a:buClr>
+                <a:schemeClr val="dk1"/>
+              </a:buClr>
+              <a:buSzPts val="1100"/>
               <a:buNone/>
             </a:pPr>
             <a:r>
-              <a:rPr lang="en-GB" sz="2243"/>
-              <a:t>Can </a:t>
-            </a:r>
-            <a:r>
-              <a:rPr lang="en-GB" sz="2243" b="1"/>
-              <a:t>train </a:t>
-            </a:r>
-            <a:r>
-              <a:rPr lang="en-GB" sz="2243"/>
-              <a:t>on the graph, on the text, on other attributes (author, year, venue)</a:t>
-            </a:r>
-            <a:endParaRPr sz="2243"/>
-          </a:p>
-        </p:txBody>
-      </p:sp>
-      <p:pic>
-        <p:nvPicPr>
-          <p:cNvPr id="213" name="Google Shape;213;p31"/>
-          <p:cNvPicPr preferRelativeResize="0"/>
-          <p:nvPr/>
-        </p:nvPicPr>
-        <p:blipFill>
-          <a:blip r:embed="rId3">
-            <a:alphaModFix/>
-          </a:blip>
-          <a:stretch>
-            <a:fillRect/>
-          </a:stretch>
-        </p:blipFill>
-        <p:spPr>
-          <a:xfrm>
-            <a:off x="415602" y="1356973"/>
-            <a:ext cx="7851765" cy="3220433"/>
-          </a:xfrm>
-          <a:prstGeom prst="rect">
-            <a:avLst/>
-          </a:prstGeom>
-          <a:noFill/>
-          <a:ln>
-            <a:noFill/>
-          </a:ln>
-        </p:spPr>
-      </p:pic>
+              <a:rPr lang="en-GB" dirty="0">
+                <a:solidFill>
+                  <a:srgbClr val="FF0000"/>
+                </a:solidFill>
+              </a:rPr>
+              <a:t>Small data sets</a:t>
+            </a:r>
+            <a:r>
+              <a:rPr lang="en-GB" dirty="0"/>
+              <a:t>: Some tasks may have as few as 30 samples, which is not enough to differentiate between systems with different capabilities</a:t>
+            </a:r>
+            <a:endParaRPr dirty="0"/>
+          </a:p>
+        </p:txBody>
+      </p:sp>
     </p:spTree>
   </p:cSld>
   <p:clrMapOvr>
     <a:masterClrMapping/>
   </p:clrMapOvr>
+  <p:timing>
+    <p:tnLst>
+      <p:par>
+        <p:cTn id="1" dur="indefinite" restart="never" nodeType="tmRoot">
+          <p:childTnLst>
+            <p:seq concurrent="1" nextAc="seek">
+              <p:cTn id="2" dur="indefinite" nodeType="mainSeq">
+                <p:childTnLst>
+                  <p:par>
+                    <p:cTn id="3" fill="hold">
+                      <p:stCondLst>
+                        <p:cond delay="indefinite"/>
+                      </p:stCondLst>
+                      <p:childTnLst>
+                        <p:par>
+                          <p:cTn id="4" fill="hold">
+                            <p:stCondLst>
+                              <p:cond delay="0"/>
+                            </p:stCondLst>
+                            <p:childTnLst>
+                              <p:par>
+                                <p:cTn id="5" presetID="1" presetClass="entr" presetSubtype="0" fill="hold" nodeType="clickEffect">
+                                  <p:stCondLst>
+                                    <p:cond delay="0"/>
+                                  </p:stCondLst>
+                                  <p:childTnLst>
+                                    <p:set>
+                                      <p:cBhvr>
+                                        <p:cTn id="6" dur="1" fill="hold">
+                                          <p:stCondLst>
+                                            <p:cond delay="0"/>
+                                          </p:stCondLst>
+                                        </p:cTn>
+                                        <p:tgtEl>
+                                          <p:spTgt spid="97">
+                                            <p:txEl>
+                                              <p:pRg st="1" end="1"/>
+                                            </p:txEl>
+                                          </p:spTgt>
+                                        </p:tgtEl>
+                                        <p:attrNameLst>
+                                          <p:attrName>style.visibility</p:attrName>
+                                        </p:attrNameLst>
+                                      </p:cBhvr>
+                                      <p:to>
+                                        <p:strVal val="visible"/>
+                                      </p:to>
+                                    </p:set>
+                                  </p:childTnLst>
+                                </p:cTn>
+                              </p:par>
+                            </p:childTnLst>
+                          </p:cTn>
+                        </p:par>
+                      </p:childTnLst>
+                    </p:cTn>
+                  </p:par>
+                  <p:par>
+                    <p:cTn id="7" fill="hold">
+                      <p:stCondLst>
+                        <p:cond delay="indefinite"/>
+                      </p:stCondLst>
+                      <p:childTnLst>
+                        <p:par>
+                          <p:cTn id="8" fill="hold">
+                            <p:stCondLst>
+                              <p:cond delay="0"/>
+                            </p:stCondLst>
+                            <p:childTnLst>
+                              <p:par>
+                                <p:cTn id="9" presetID="1" presetClass="entr" presetSubtype="0" fill="hold" nodeType="clickEffect">
+                                  <p:stCondLst>
+                                    <p:cond delay="0"/>
+                                  </p:stCondLst>
+                                  <p:childTnLst>
+                                    <p:set>
+                                      <p:cBhvr>
+                                        <p:cTn id="10" dur="1" fill="hold">
+                                          <p:stCondLst>
+                                            <p:cond delay="0"/>
+                                          </p:stCondLst>
+                                        </p:cTn>
+                                        <p:tgtEl>
+                                          <p:spTgt spid="97">
+                                            <p:txEl>
+                                              <p:pRg st="2" end="2"/>
+                                            </p:txEl>
+                                          </p:spTgt>
+                                        </p:tgtEl>
+                                        <p:attrNameLst>
+                                          <p:attrName>style.visibility</p:attrName>
+                                        </p:attrNameLst>
+                                      </p:cBhvr>
+                                      <p:to>
+                                        <p:strVal val="visible"/>
+                                      </p:to>
+                                    </p:set>
+                                  </p:childTnLst>
+                                </p:cTn>
+                              </p:par>
+                            </p:childTnLst>
+                          </p:cTn>
+                        </p:par>
+                      </p:childTnLst>
+                    </p:cTn>
+                  </p:par>
+                </p:childTnLst>
+              </p:cTn>
+              <p:prevCondLst>
+                <p:cond evt="onPrev" delay="0">
+                  <p:tgtEl>
+                    <p:sldTgt/>
+                  </p:tgtEl>
+                </p:cond>
+              </p:prevCondLst>
+              <p:nextCondLst>
+                <p:cond evt="onNext" delay="0">
+                  <p:tgtEl>
+                    <p:sldTgt/>
+                  </p:tgtEl>
+                </p:cond>
+              </p:nextCondLst>
+            </p:seq>
+          </p:childTnLst>
+        </p:cTn>
+      </p:par>
+    </p:tnLst>
+  </p:timing>
 </p:sld>
 </file>
 
-<file path=ppt/slides/slide17.xml><?xml version="1.0" encoding="utf-8"?>
+<file path=ppt/slides/slide18.xml><?xml version="1.0" encoding="utf-8"?>
 <p:sld xmlns:a="http://schemas.openxmlformats.org/drawingml/2006/main" xmlns:r="http://schemas.openxmlformats.org/officeDocument/2006/relationships" xmlns:p="http://schemas.openxmlformats.org/presentationml/2006/main">
   <p:cSld>
     <p:spTree>
       <p:nvGrpSpPr>
-        <p:cNvPr id="1" name="Shape 217"/>
+        <p:cNvPr id="1" name="Shape 118"/>
         <p:cNvGrpSpPr/>
         <p:nvPr/>
       </p:nvGrpSpPr>
@@ -7547,7 +9780,7 @@
       </p:grpSpPr>
       <p:sp>
         <p:nvSpPr>
-          <p:cNvPr id="218" name="Google Shape;218;p32"/>
+          <p:cNvPr id="119" name="Google Shape;119;p21"/>
           <p:cNvSpPr txBox="1">
             <a:spLocks noGrp="1"/>
           </p:cNvSpPr>
@@ -7558,7 +9791,7 @@
         <p:spPr>
           <a:xfrm>
             <a:off x="415600" y="593367"/>
-            <a:ext cx="11360800" cy="763600"/>
+            <a:ext cx="5018248" cy="1634826"/>
           </a:xfrm>
           <a:prstGeom prst="rect">
             <a:avLst/>
@@ -7570,45 +9803,33 @@
           </a:bodyPr>
           <a:lstStyle/>
           <a:p>
-            <a:r>
-              <a:rPr lang="en-GB"/>
-              <a:t>Forecasting</a:t>
-            </a:r>
-            <a:endParaRPr/>
-          </a:p>
-        </p:txBody>
-      </p:sp>
-      <p:pic>
-        <p:nvPicPr>
-          <p:cNvPr id="219" name="Google Shape;219;p32"/>
-          <p:cNvPicPr preferRelativeResize="0"/>
-          <p:nvPr/>
-        </p:nvPicPr>
-        <p:blipFill>
-          <a:blip r:embed="rId3">
-            <a:alphaModFix/>
-          </a:blip>
-          <a:stretch>
-            <a:fillRect/>
-          </a:stretch>
-        </p:blipFill>
-        <p:spPr>
-          <a:xfrm>
-            <a:off x="6096000" y="1356967"/>
-            <a:ext cx="5264667" cy="3948500"/>
-          </a:xfrm>
-          <a:prstGeom prst="rect">
-            <a:avLst/>
-          </a:prstGeom>
-          <a:noFill/>
-          <a:ln>
-            <a:noFill/>
-          </a:ln>
-        </p:spPr>
-      </p:pic>
-      <p:sp>
-        <p:nvSpPr>
-          <p:cNvPr id="220" name="Google Shape;220;p32"/>
+            <a:pPr>
+              <a:buClr>
+                <a:schemeClr val="dk1"/>
+              </a:buClr>
+              <a:buSzPct val="39285"/>
+            </a:pPr>
+            <a:r>
+              <a:rPr lang="en-GB" sz="7300" dirty="0"/>
+              <a:t>Desiderata: </a:t>
+            </a:r>
+            <a:br>
+              <a:rPr lang="en-GB" dirty="0"/>
+            </a:br>
+            <a:r>
+              <a:rPr lang="en-US" dirty="0"/>
+              <a:t>Validity &amp; Capabilities</a:t>
+            </a:r>
+            <a:endParaRPr dirty="0"/>
+          </a:p>
+          <a:p>
+            <a:endParaRPr dirty="0"/>
+          </a:p>
+        </p:txBody>
+      </p:sp>
+      <p:sp>
+        <p:nvSpPr>
+          <p:cNvPr id="121" name="Google Shape;121;p21"/>
           <p:cNvSpPr txBox="1"/>
           <p:nvPr/>
         </p:nvSpPr>
@@ -7637,7 +9858,7 @@
       </p:sp>
       <p:sp>
         <p:nvSpPr>
-          <p:cNvPr id="221" name="Google Shape;221;p32"/>
+          <p:cNvPr id="122" name="Google Shape;122;p21"/>
           <p:cNvSpPr txBox="1">
             <a:spLocks noGrp="1"/>
           </p:cNvSpPr>
@@ -7647,8 +9868,8 @@
         </p:nvSpPr>
         <p:spPr>
           <a:xfrm>
-            <a:off x="415600" y="1536633"/>
-            <a:ext cx="4794000" cy="4555200"/>
+            <a:off x="415600" y="2639389"/>
+            <a:ext cx="4665687" cy="3452443"/>
           </a:xfrm>
           <a:prstGeom prst="rect">
             <a:avLst/>
@@ -7660,206 +9881,77 @@
           </a:bodyPr>
           <a:lstStyle/>
           <a:p>
-            <a:pPr marL="0" indent="0">
-              <a:buNone/>
-            </a:pPr>
-            <a:r>
-              <a:rPr lang="en-GB"/>
-              <a:t>Make correct predictions repeatedly across a reasonable amount of time</a:t>
-            </a:r>
-            <a:endParaRPr/>
-          </a:p>
-          <a:p>
-            <a:pPr marL="0" indent="0">
-              <a:spcBef>
-                <a:spcPts val="1600"/>
-              </a:spcBef>
-              <a:buNone/>
-            </a:pPr>
-            <a:r>
-              <a:rPr lang="en-GB"/>
-              <a:t>Not interesting to ‘forecast’ into the past or the present</a:t>
-            </a:r>
-            <a:endParaRPr/>
-          </a:p>
-          <a:p>
-            <a:pPr marL="0" indent="0">
-              <a:spcBef>
-                <a:spcPts val="1600"/>
-              </a:spcBef>
-              <a:buNone/>
-            </a:pPr>
-            <a:r>
-              <a:rPr lang="en-GB"/>
-              <a:t>Deployed models typically have frozen parameters. Therefore they are always forecasting</a:t>
-            </a:r>
-            <a:endParaRPr/>
-          </a:p>
-          <a:p>
-            <a:pPr marL="0" indent="0">
-              <a:spcBef>
-                <a:spcPts val="1600"/>
-              </a:spcBef>
-              <a:spcAft>
-                <a:spcPts val="1600"/>
-              </a:spcAft>
-              <a:buNone/>
-            </a:pPr>
-            <a:endParaRPr/>
-          </a:p>
-        </p:txBody>
-      </p:sp>
-    </p:spTree>
-  </p:cSld>
-  <p:clrMapOvr>
-    <a:masterClrMapping/>
-  </p:clrMapOvr>
-</p:sld>
-</file>
-
-<file path=ppt/slides/slide18.xml><?xml version="1.0" encoding="utf-8"?>
-<p:sld xmlns:a="http://schemas.openxmlformats.org/drawingml/2006/main" xmlns:r="http://schemas.openxmlformats.org/officeDocument/2006/relationships" xmlns:p="http://schemas.openxmlformats.org/presentationml/2006/main">
-  <p:cSld>
-    <p:spTree>
-      <p:nvGrpSpPr>
-        <p:cNvPr id="1" name="Shape 225"/>
-        <p:cNvGrpSpPr/>
-        <p:nvPr/>
-      </p:nvGrpSpPr>
-      <p:grpSpPr>
-        <a:xfrm>
-          <a:off x="0" y="0"/>
-          <a:ext cx="0" cy="0"/>
-          <a:chOff x="0" y="0"/>
-          <a:chExt cx="0" cy="0"/>
-        </a:xfrm>
-      </p:grpSpPr>
-      <p:sp>
-        <p:nvSpPr>
-          <p:cNvPr id="226" name="Google Shape;226;p33"/>
-          <p:cNvSpPr txBox="1">
-            <a:spLocks noGrp="1"/>
-          </p:cNvSpPr>
-          <p:nvPr>
-            <p:ph type="title"/>
-          </p:nvPr>
-        </p:nvSpPr>
+            <a:r>
+              <a:rPr lang="en-US" dirty="0"/>
+              <a:t>Validity</a:t>
+            </a:r>
+          </a:p>
+          <a:p>
+            <a:pPr lvl="1"/>
+            <a:r>
+              <a:rPr lang="en-US" dirty="0"/>
+              <a:t>Task: reflect a real use case</a:t>
+            </a:r>
+          </a:p>
+          <a:p>
+            <a:pPr lvl="1"/>
+            <a:r>
+              <a:rPr lang="en-US" dirty="0"/>
+              <a:t>Not an arbitrary benchmark</a:t>
+            </a:r>
+          </a:p>
+          <a:p>
+            <a:r>
+              <a:rPr lang="en-US" dirty="0"/>
+              <a:t>Capabilities</a:t>
+            </a:r>
+          </a:p>
+          <a:p>
+            <a:pPr lvl="1"/>
+            <a:r>
+              <a:rPr lang="en-US" dirty="0"/>
+              <a:t>Short-term forecasting</a:t>
+            </a:r>
+          </a:p>
+          <a:p>
+            <a:pPr lvl="1"/>
+            <a:r>
+              <a:rPr lang="en-US" dirty="0"/>
+              <a:t>is easier than long-term weather forecasting</a:t>
+            </a:r>
+          </a:p>
+        </p:txBody>
+      </p:sp>
+      <p:pic>
+        <p:nvPicPr>
+          <p:cNvPr id="3" name="Picture 2" descr="A sign with a stone from a pole&#10;&#10;Description automatically generated">
+            <a:extLst>
+              <a:ext uri="{FF2B5EF4-FFF2-40B4-BE49-F238E27FC236}">
+                <a16:creationId xmlns:a16="http://schemas.microsoft.com/office/drawing/2014/main" id="{D3CDACEA-AC3B-35C5-EA55-99B9E915ABC2}"/>
+              </a:ext>
+            </a:extLst>
+          </p:cNvPr>
+          <p:cNvPicPr>
+            <a:picLocks noChangeAspect="1"/>
+          </p:cNvPicPr>
+          <p:nvPr/>
+        </p:nvPicPr>
+        <p:blipFill>
+          <a:blip r:embed="rId3"/>
+          <a:stretch>
+            <a:fillRect/>
+          </a:stretch>
+        </p:blipFill>
         <p:spPr>
           <a:xfrm>
-            <a:off x="415600" y="593367"/>
-            <a:ext cx="11360800" cy="763600"/>
+            <a:off x="5219823" y="0"/>
+            <a:ext cx="6972177" cy="5229133"/>
           </a:xfrm>
           <a:prstGeom prst="rect">
             <a:avLst/>
           </a:prstGeom>
         </p:spPr>
-        <p:txBody>
-          <a:bodyPr spcFirstLastPara="1" vert="horz" wrap="square" lIns="121900" tIns="121900" rIns="121900" bIns="121900" rtlCol="0" anchor="t" anchorCtr="0">
-            <a:normAutofit fontScale="90000"/>
-          </a:bodyPr>
-          <a:lstStyle/>
-          <a:p>
-            <a:r>
-              <a:rPr lang="en-GB"/>
-              <a:t>Pitfalls with Evaluating Paper Systems</a:t>
-            </a:r>
-            <a:endParaRPr/>
-          </a:p>
-        </p:txBody>
-      </p:sp>
-      <p:sp>
-        <p:nvSpPr>
-          <p:cNvPr id="227" name="Google Shape;227;p33"/>
-          <p:cNvSpPr txBox="1">
-            <a:spLocks noGrp="1"/>
-          </p:cNvSpPr>
-          <p:nvPr>
-            <p:ph type="body" idx="1"/>
-          </p:nvPr>
-        </p:nvSpPr>
-        <p:spPr>
-          <a:xfrm>
-            <a:off x="415600" y="1536633"/>
-            <a:ext cx="11360800" cy="4555200"/>
-          </a:xfrm>
-          <a:prstGeom prst="rect">
-            <a:avLst/>
-          </a:prstGeom>
-        </p:spPr>
-        <p:txBody>
-          <a:bodyPr spcFirstLastPara="1" vert="horz" wrap="square" lIns="121900" tIns="121900" rIns="121900" bIns="121900" rtlCol="0" anchor="t" anchorCtr="0">
-            <a:normAutofit/>
-          </a:bodyPr>
-          <a:lstStyle/>
-          <a:p>
-            <a:pPr marL="0" indent="0">
-              <a:buNone/>
-            </a:pPr>
-            <a:r>
-              <a:rPr lang="en-GB">
-                <a:solidFill>
-                  <a:srgbClr val="FF0000"/>
-                </a:solidFill>
-              </a:rPr>
-              <a:t>Evaluating within the Train set time</a:t>
-            </a:r>
-            <a:r>
-              <a:rPr lang="en-GB"/>
-              <a:t>: artificially easy (when we write papers, we can’t see what will be published in the future), introduces leakage</a:t>
-            </a:r>
-            <a:endParaRPr/>
-          </a:p>
-          <a:p>
-            <a:pPr marL="0" indent="0">
-              <a:spcBef>
-                <a:spcPts val="1600"/>
-              </a:spcBef>
-              <a:buNone/>
-            </a:pPr>
-            <a:r>
-              <a:rPr lang="en-GB">
-                <a:solidFill>
-                  <a:srgbClr val="FF0000"/>
-                </a:solidFill>
-              </a:rPr>
-              <a:t>Tasks artificially simplified</a:t>
-            </a:r>
-            <a:r>
-              <a:rPr lang="en-GB"/>
-              <a:t>: Citation recommendation tasks propose negatives as those papers with a restricted training set (1K-100K). In reality, the number of negatives is closer to 100M.</a:t>
-            </a:r>
-            <a:endParaRPr/>
-          </a:p>
-          <a:p>
-            <a:pPr marL="0" indent="0">
-              <a:spcBef>
-                <a:spcPts val="1600"/>
-              </a:spcBef>
-              <a:spcAft>
-                <a:spcPts val="1600"/>
-              </a:spcAft>
-              <a:buClr>
-                <a:schemeClr val="dk1"/>
-              </a:buClr>
-              <a:buSzPts val="1100"/>
-              <a:buNone/>
-            </a:pPr>
-            <a:r>
-              <a:rPr lang="en-GB">
-                <a:solidFill>
-                  <a:srgbClr val="FF0000"/>
-                </a:solidFill>
-              </a:rPr>
-              <a:t>Small data sets</a:t>
-            </a:r>
-            <a:r>
-              <a:rPr lang="en-GB"/>
-              <a:t>: Some tasks may have as few as 30 samples, which is not enough to differentiate between systems with different capabilities</a:t>
-            </a:r>
-            <a:endParaRPr/>
-          </a:p>
-        </p:txBody>
-      </p:sp>
+      </p:pic>
     </p:spTree>
   </p:cSld>
   <p:clrMapOvr>
@@ -7873,7 +9965,7 @@
   <p:cSld>
     <p:spTree>
       <p:nvGrpSpPr>
-        <p:cNvPr id="1" name="Shape 231"/>
+        <p:cNvPr id="1" name="Shape 126"/>
         <p:cNvGrpSpPr/>
         <p:nvPr/>
       </p:nvGrpSpPr>
@@ -7887,7 +9979,7 @@
       </p:grpSpPr>
       <p:sp>
         <p:nvSpPr>
-          <p:cNvPr id="232" name="Google Shape;232;p34"/>
+          <p:cNvPr id="127" name="Google Shape;127;p22"/>
           <p:cNvSpPr txBox="1">
             <a:spLocks noGrp="1"/>
           </p:cNvSpPr>
@@ -7920,7 +10012,7 @@
       </p:sp>
       <p:sp>
         <p:nvSpPr>
-          <p:cNvPr id="233" name="Google Shape;233;p34"/>
+          <p:cNvPr id="128" name="Google Shape;128;p22"/>
           <p:cNvSpPr txBox="1">
             <a:spLocks noGrp="1"/>
           </p:cNvSpPr>
@@ -7931,7 +10023,7 @@
         <p:spPr>
           <a:xfrm>
             <a:off x="602333" y="3638700"/>
-            <a:ext cx="5196400" cy="2845200"/>
+            <a:ext cx="10605200" cy="2845200"/>
           </a:xfrm>
           <a:prstGeom prst="rect">
             <a:avLst/>
@@ -7939,52 +10031,65 @@
         </p:spPr>
         <p:txBody>
           <a:bodyPr spcFirstLastPara="1" vert="horz" wrap="square" lIns="121900" tIns="121900" rIns="121900" bIns="121900" rtlCol="0" anchor="t" anchorCtr="0">
-            <a:normAutofit fontScale="85000" lnSpcReduction="10000"/>
+            <a:normAutofit fontScale="40000" lnSpcReduction="10000"/>
           </a:bodyPr>
           <a:lstStyle/>
           <a:p>
             <a:pPr marL="0" indent="0">
-              <a:buNone/>
-            </a:pPr>
-            <a:r>
-              <a:rPr lang="en-GB"/>
-              <a:t>We have an intuition that Test 1 will be the easiest, as academic literature evolves over time</a:t>
-            </a:r>
-            <a:endParaRPr/>
-          </a:p>
-          <a:p>
-            <a:pPr marL="0" indent="0">
               <a:spcBef>
-                <a:spcPts val="1600"/>
+                <a:spcPts val="2400"/>
               </a:spcBef>
               <a:buNone/>
             </a:pPr>
             <a:r>
-              <a:rPr lang="en-GB"/>
-              <a:t>How can we evaluate this shift:</a:t>
-            </a:r>
-            <a:endParaRPr/>
-          </a:p>
-          <a:p>
-            <a:pPr indent="-434329">
+              <a:rPr lang="en-GB" sz="6400"/>
+              <a:t>Intuition: as we try these tasks further out, things get muddier. If you’re an expert in 2010 what do you know about COVID, AlphaGo, South Sudan, etc?</a:t>
+            </a:r>
+            <a:endParaRPr sz="6400"/>
+          </a:p>
+          <a:p>
+            <a:pPr marL="0" indent="0">
               <a:spcBef>
-                <a:spcPts val="1600"/>
+                <a:spcPts val="2400"/>
+              </a:spcBef>
+              <a:buNone/>
+            </a:pPr>
+            <a:r>
+              <a:rPr lang="en-GB" sz="6400"/>
+              <a:t>Question: How to quantify this?</a:t>
+            </a:r>
+            <a:endParaRPr sz="6400"/>
+          </a:p>
+          <a:p>
+            <a:pPr indent="-436869">
+              <a:spcBef>
+                <a:spcPts val="2400"/>
               </a:spcBef>
               <a:buSzPct val="100000"/>
+              <a:buChar char="-"/>
             </a:pPr>
             <a:r>
-              <a:rPr lang="en-GB"/>
-              <a:t>Intrinsic evaluation: what's going on in the models</a:t>
-            </a:r>
-            <a:endParaRPr/>
-          </a:p>
-          <a:p>
-            <a:pPr indent="-434329">
+              <a:rPr lang="en-GB" sz="6400"/>
+              <a:t>LLM: Perplexity of SciBERT across different bins, BPE compressibility</a:t>
+            </a:r>
+            <a:endParaRPr sz="6400"/>
+          </a:p>
+          <a:p>
+            <a:pPr indent="-436869">
               <a:buSzPct val="100000"/>
+              <a:buChar char="-"/>
             </a:pPr>
             <a:r>
-              <a:rPr lang="en-GB"/>
-              <a:t>Task performance: how well do the </a:t>
+              <a:rPr lang="en-GB" sz="6400"/>
+              <a:t>Better Together Eval: task performance at y+1, y+2, y+n (</a:t>
+            </a:r>
+            <a:r>
+              <a:rPr lang="en-GB" sz="6400" b="1"/>
+              <a:t>up to 2023</a:t>
+            </a:r>
+            <a:r>
+              <a:rPr lang="en-GB" sz="6400"/>
+              <a:t>*)</a:t>
             </a:r>
             <a:endParaRPr/>
           </a:p>
@@ -7992,17 +10097,16 @@
       </p:sp>
       <p:pic>
         <p:nvPicPr>
-          <p:cNvPr id="234" name="Google Shape;234;p34"/>
+          <p:cNvPr id="129" name="Google Shape;129;p22"/>
           <p:cNvPicPr preferRelativeResize="0"/>
           <p:nvPr/>
         </p:nvPicPr>
-        <p:blipFill>
+        <p:blipFill rotWithShape="1">
           <a:blip r:embed="rId3">
             <a:alphaModFix/>
           </a:blip>
-          <a:stretch>
-            <a:fillRect/>
-          </a:stretch>
+          <a:srcRect l="219" r="209"/>
+          <a:stretch/>
         </p:blipFill>
         <p:spPr>
           <a:xfrm>
@@ -8018,96 +10122,6 @@
           </a:ln>
         </p:spPr>
       </p:pic>
-      <p:sp>
-        <p:nvSpPr>
-          <p:cNvPr id="235" name="Google Shape;235;p34"/>
-          <p:cNvSpPr txBox="1">
-            <a:spLocks noGrp="1"/>
-          </p:cNvSpPr>
-          <p:nvPr>
-            <p:ph type="body" idx="1"/>
-          </p:nvPr>
-        </p:nvSpPr>
-        <p:spPr>
-          <a:xfrm>
-            <a:off x="5905033" y="3541467"/>
-            <a:ext cx="5196400" cy="2845200"/>
-          </a:xfrm>
-          <a:prstGeom prst="rect">
-            <a:avLst/>
-          </a:prstGeom>
-        </p:spPr>
-        <p:txBody>
-          <a:bodyPr spcFirstLastPara="1" vert="horz" wrap="square" lIns="121900" tIns="121900" rIns="121900" bIns="121900" rtlCol="0" anchor="t" anchorCtr="0">
-            <a:noAutofit/>
-          </a:bodyPr>
-          <a:lstStyle/>
-          <a:p>
-            <a:pPr marL="0" indent="0">
-              <a:buNone/>
-            </a:pPr>
-            <a:r>
-              <a:rPr lang="en-GB" sz="1867"/>
-              <a:t>We want to produce a set of tasks which:</a:t>
-            </a:r>
-            <a:endParaRPr sz="1867"/>
-          </a:p>
-          <a:p>
-            <a:pPr marL="0" indent="0">
-              <a:spcBef>
-                <a:spcPts val="1600"/>
-              </a:spcBef>
-              <a:buNone/>
-            </a:pPr>
-            <a:r>
-              <a:rPr lang="en-GB" sz="1867"/>
-              <a:t>Have enough samples (n) to make serious comparisons between models. </a:t>
-            </a:r>
-            <a:r>
-              <a:rPr lang="en-GB" sz="1867" b="1"/>
-              <a:t>Make datasets as big as possible</a:t>
-            </a:r>
-            <a:endParaRPr sz="1867" b="1"/>
-          </a:p>
-          <a:p>
-            <a:pPr marL="0" indent="0">
-              <a:spcBef>
-                <a:spcPts val="1600"/>
-              </a:spcBef>
-              <a:buNone/>
-            </a:pPr>
-            <a:r>
-              <a:rPr lang="en-GB" sz="1867"/>
-              <a:t>Evaluate models capabilities to do tasks </a:t>
-            </a:r>
-            <a:r>
-              <a:rPr lang="en-GB" sz="1867" b="1"/>
-              <a:t>people actually care about</a:t>
-            </a:r>
-            <a:endParaRPr sz="1867" b="1"/>
-          </a:p>
-          <a:p>
-            <a:pPr marL="0" indent="0">
-              <a:spcBef>
-                <a:spcPts val="1600"/>
-              </a:spcBef>
-              <a:spcAft>
-                <a:spcPts val="1600"/>
-              </a:spcAft>
-              <a:buNone/>
-            </a:pPr>
-            <a:r>
-              <a:rPr lang="en-GB" sz="1867"/>
-              <a:t>Ensure generation is automatic so we can </a:t>
-            </a:r>
-            <a:r>
-              <a:rPr lang="en-GB" sz="1867" b="1"/>
-              <a:t>update them in future</a:t>
-            </a:r>
-            <a:endParaRPr sz="1867" b="1"/>
-          </a:p>
-        </p:txBody>
-      </p:sp>
     </p:spTree>
   </p:cSld>
   <p:clrMapOvr>
@@ -8274,7 +10288,7 @@
   <p:cSld>
     <p:spTree>
       <p:nvGrpSpPr>
-        <p:cNvPr id="1" name="Shape 239"/>
+        <p:cNvPr id="1" name="Shape 133"/>
         <p:cNvGrpSpPr/>
         <p:nvPr/>
       </p:nvGrpSpPr>
@@ -8288,7 +10302,7 @@
       </p:grpSpPr>
       <p:sp>
         <p:nvSpPr>
-          <p:cNvPr id="240" name="Google Shape;240;p35"/>
+          <p:cNvPr id="134" name="Google Shape;134;p23"/>
           <p:cNvSpPr txBox="1">
             <a:spLocks noGrp="1"/>
           </p:cNvSpPr>
@@ -8313,7 +10327,7 @@
           <a:p>
             <a:r>
               <a:rPr lang="en-GB"/>
-              <a:t>Better Together Tasks </a:t>
+              <a:t>Evaluation tasks should reflect a real-world use</a:t>
             </a:r>
             <a:endParaRPr/>
           </a:p>
@@ -8321,7 +10335,7 @@
       </p:sp>
       <p:sp>
         <p:nvSpPr>
-          <p:cNvPr id="241" name="Google Shape;241;p35"/>
+          <p:cNvPr id="135" name="Google Shape;135;p23"/>
           <p:cNvSpPr txBox="1">
             <a:spLocks noGrp="1"/>
           </p:cNvSpPr>
@@ -8461,7 +10475,7 @@
       </p:sp>
       <p:sp>
         <p:nvSpPr>
-          <p:cNvPr id="242" name="Google Shape;242;p35"/>
+          <p:cNvPr id="136" name="Google Shape;136;p23"/>
           <p:cNvSpPr txBox="1">
             <a:spLocks noGrp="1"/>
           </p:cNvSpPr>
@@ -8494,21 +10508,28 @@
           <a:lstStyle/>
           <a:p>
             <a:pPr marL="0" indent="0">
+              <a:spcBef>
+                <a:spcPts val="1600"/>
+              </a:spcBef>
               <a:buNone/>
             </a:pPr>
             <a:r>
-              <a:rPr lang="en-GB" sz="1867"/>
-              <a:t>Example: </a:t>
-            </a:r>
-            <a:r>
-              <a:rPr lang="en-GB" sz="1867" b="1"/>
-              <a:t>How do Dogs Walk</a:t>
-            </a:r>
-            <a:r>
-              <a:rPr lang="en-GB" sz="1867"/>
-              <a:t>?</a:t>
-            </a:r>
-            <a:endParaRPr sz="1867"/>
+              <a:rPr lang="en-GB" sz="1867" i="1" dirty="0"/>
+              <a:t>Erroneous Quadruped Walking Depictions</a:t>
+            </a:r>
+            <a:r>
+              <a:rPr lang="en-GB" sz="1867" dirty="0"/>
+              <a:t>, </a:t>
+            </a:r>
+            <a:r>
+              <a:rPr lang="en-GB" sz="1867" dirty="0" err="1"/>
+              <a:t>Horváth</a:t>
+            </a:r>
+            <a:r>
+              <a:rPr lang="en-GB" sz="1867" dirty="0"/>
+              <a:t> et al (2009)</a:t>
+            </a:r>
+            <a:endParaRPr sz="1867" dirty="0"/>
           </a:p>
           <a:p>
             <a:pPr marL="0" indent="0">
@@ -8518,27 +10539,18 @@
               <a:buNone/>
             </a:pPr>
             <a:r>
-              <a:rPr lang="en-GB" sz="1867" i="1"/>
-              <a:t>Erroneous Quadruped Walking Depictions</a:t>
-            </a:r>
-            <a:r>
-              <a:rPr lang="en-GB" sz="1867"/>
-              <a:t>, Horváth et al (2009)</a:t>
-            </a:r>
-            <a:endParaRPr sz="1867"/>
-          </a:p>
-          <a:p>
-            <a:pPr marL="0" indent="0">
-              <a:spcBef>
-                <a:spcPts val="1600"/>
-              </a:spcBef>
-              <a:buNone/>
-            </a:pPr>
-            <a:r>
-              <a:rPr lang="en-GB" sz="1867"/>
-              <a:t>“Although humans have observed walking quadrupeds for thousands of years, the exact characterization of the walking of tetrapods had to wait for the advent of photography [?]”</a:t>
-            </a:r>
-            <a:endParaRPr sz="1867"/>
+              <a:rPr lang="en-GB" sz="1867" dirty="0"/>
+              <a:t>“Although humans have observed walking quadrupeds for thousands of years, the exact characterization of the walking of </a:t>
+            </a:r>
+            <a:r>
+              <a:rPr lang="en-GB" sz="1867" dirty="0" err="1"/>
+              <a:t>tetrapods</a:t>
+            </a:r>
+            <a:r>
+              <a:rPr lang="en-GB" sz="1867" dirty="0"/>
+              <a:t> had to wait for the advent of photography [?]”</a:t>
+            </a:r>
+            <a:endParaRPr sz="1867" dirty="0"/>
           </a:p>
           <a:p>
             <a:pPr marL="0" indent="0">
@@ -8551,10 +10563,10 @@
               <a:buNone/>
             </a:pPr>
             <a:r>
-              <a:rPr lang="en-GB" sz="1867"/>
+              <a:rPr lang="en-GB" sz="1867" dirty="0"/>
               <a:t>Task: Find a reference to a (History of Science) paper describing the process of photographing tetrapod walking</a:t>
             </a:r>
-            <a:endParaRPr sz="1867"/>
+            <a:endParaRPr sz="1867" dirty="0"/>
           </a:p>
         </p:txBody>
       </p:sp>
@@ -8571,7 +10583,7 @@
   <p:cSld>
     <p:spTree>
       <p:nvGrpSpPr>
-        <p:cNvPr id="1" name="Shape 246"/>
+        <p:cNvPr id="1" name="Shape 140"/>
         <p:cNvGrpSpPr/>
         <p:nvPr/>
       </p:nvGrpSpPr>
@@ -8585,7 +10597,7 @@
       </p:grpSpPr>
       <p:sp>
         <p:nvSpPr>
-          <p:cNvPr id="247" name="Google Shape;247;p36"/>
+          <p:cNvPr id="141" name="Google Shape;141;p24"/>
           <p:cNvSpPr txBox="1">
             <a:spLocks noGrp="1"/>
           </p:cNvSpPr>
@@ -8608,17 +10620,26 @@
           </a:bodyPr>
           <a:lstStyle/>
           <a:p>
+            <a:pPr>
+              <a:buClr>
+                <a:schemeClr val="dk1"/>
+              </a:buClr>
+              <a:buSzPct val="39285"/>
+            </a:pPr>
             <a:r>
               <a:rPr lang="en-GB"/>
-              <a:t>Other Evaluations</a:t>
+              <a:t>Evaluation tasks should reflect a real-world use</a:t>
             </a:r>
             <a:endParaRPr/>
           </a:p>
-        </p:txBody>
-      </p:sp>
-      <p:sp>
-        <p:nvSpPr>
-          <p:cNvPr id="248" name="Google Shape;248;p36"/>
+          <a:p>
+            <a:endParaRPr/>
+          </a:p>
+        </p:txBody>
+      </p:sp>
+      <p:sp>
+        <p:nvSpPr>
+          <p:cNvPr id="142" name="Google Shape;142;p24"/>
           <p:cNvSpPr txBox="1">
             <a:spLocks noGrp="1"/>
           </p:cNvSpPr>
@@ -8738,7 +10759,7 @@
       </p:sp>
       <p:sp>
         <p:nvSpPr>
-          <p:cNvPr id="249" name="Google Shape;249;p36"/>
+          <p:cNvPr id="143" name="Google Shape;143;p24"/>
           <p:cNvSpPr txBox="1"/>
           <p:nvPr/>
         </p:nvSpPr>
@@ -8949,7 +10970,7 @@
   <p:cSld>
     <p:spTree>
       <p:nvGrpSpPr>
-        <p:cNvPr id="1" name="Shape 253"/>
+        <p:cNvPr id="1" name="Shape 147"/>
         <p:cNvGrpSpPr/>
         <p:nvPr/>
       </p:nvGrpSpPr>
@@ -8963,7 +10984,7 @@
       </p:grpSpPr>
       <p:sp>
         <p:nvSpPr>
-          <p:cNvPr id="254" name="Google Shape;254;p37"/>
+          <p:cNvPr id="148" name="Google Shape;148;p25"/>
           <p:cNvSpPr txBox="1">
             <a:spLocks noGrp="1"/>
           </p:cNvSpPr>
@@ -8988,7 +11009,7 @@
           <a:p>
             <a:r>
               <a:rPr lang="en-GB"/>
-              <a:t>Evaluating Models</a:t>
+              <a:t>Evaluation data must be updatable </a:t>
             </a:r>
             <a:endParaRPr/>
           </a:p>
@@ -8996,7 +11017,7 @@
       </p:sp>
       <p:sp>
         <p:nvSpPr>
-          <p:cNvPr id="255" name="Google Shape;255;p37"/>
+          <p:cNvPr id="149" name="Google Shape;149;p25"/>
           <p:cNvSpPr txBox="1">
             <a:spLocks noGrp="1"/>
           </p:cNvSpPr>
@@ -9006,8 +11027,8 @@
         </p:nvSpPr>
         <p:spPr>
           <a:xfrm>
-            <a:off x="415600" y="1253833"/>
-            <a:ext cx="11360800" cy="1046800"/>
+            <a:off x="415600" y="1536633"/>
+            <a:ext cx="5736800" cy="4555200"/>
           </a:xfrm>
           <a:prstGeom prst="rect">
             <a:avLst/>
@@ -9015,89 +11036,53 @@
         </p:spPr>
         <p:txBody>
           <a:bodyPr spcFirstLastPara="1" vert="horz" wrap="square" lIns="121900" tIns="121900" rIns="121900" bIns="121900" rtlCol="0" anchor="t" anchorCtr="0">
-            <a:normAutofit fontScale="32500" lnSpcReduction="20000"/>
+            <a:normAutofit lnSpcReduction="10000"/>
           </a:bodyPr>
           <a:lstStyle/>
           <a:p>
-            <a:pPr marL="0" indent="0">
-              <a:spcBef>
-                <a:spcPts val="2400"/>
-              </a:spcBef>
-              <a:buNone/>
-            </a:pPr>
-            <a:r>
-              <a:rPr lang="en-GB" sz="7466">
-                <a:solidFill>
-                  <a:schemeClr val="dk1"/>
-                </a:solidFill>
-              </a:rPr>
-              <a:t>Don’t just do these evaluations, see how they perform as time from cutoff year increases. </a:t>
-            </a:r>
-            <a:endParaRPr sz="7466">
-              <a:solidFill>
-                <a:schemeClr val="dk1"/>
-              </a:solidFill>
-            </a:endParaRPr>
-          </a:p>
-          <a:p>
-            <a:pPr marL="0" indent="0">
-              <a:spcBef>
-                <a:spcPts val="2400"/>
-              </a:spcBef>
-              <a:buNone/>
-            </a:pPr>
+            <a:r>
+              <a:rPr lang="en-GB"/>
+              <a:t>Tasks are derived from core Semantic Scholar data or from APIs which we can join with Semantic Scholar IDs</a:t>
+            </a:r>
             <a:endParaRPr/>
           </a:p>
           <a:p>
-            <a:pPr marL="0" indent="0">
-              <a:spcBef>
-                <a:spcPts val="2400"/>
-              </a:spcBef>
-              <a:buNone/>
-            </a:pPr>
+            <a:r>
+              <a:rPr lang="en-GB"/>
+              <a:t>We define our evaluation set as a function we can run on Semantic Scholar to update at reasonable intervals to reflect shifts over time</a:t>
+            </a:r>
             <a:endParaRPr/>
           </a:p>
           <a:p>
-            <a:pPr marL="0" indent="0">
-              <a:spcBef>
-                <a:spcPts val="2400"/>
-              </a:spcBef>
-              <a:buNone/>
-            </a:pPr>
-            <a:endParaRPr/>
-          </a:p>
-          <a:p>
-            <a:pPr marL="0" indent="0">
-              <a:spcBef>
-                <a:spcPts val="2400"/>
-              </a:spcBef>
-              <a:spcAft>
-                <a:spcPts val="800"/>
-              </a:spcAft>
-              <a:buNone/>
-            </a:pPr>
+            <a:r>
+              <a:rPr lang="en-GB"/>
+              <a:t>These updates will keep model producers honest: is your model from 2016 still good in 2023?</a:t>
+            </a:r>
             <a:endParaRPr/>
           </a:p>
         </p:txBody>
       </p:sp>
       <p:pic>
         <p:nvPicPr>
-          <p:cNvPr id="256" name="Google Shape;256;p37"/>
-          <p:cNvPicPr preferRelativeResize="0"/>
-          <p:nvPr/>
+          <p:cNvPr id="150" name="Google Shape;150;p25"/>
+          <p:cNvPicPr preferRelativeResize="0">
+            <a:picLocks noGrp="1"/>
+          </p:cNvPicPr>
+          <p:nvPr>
+            <p:ph type="body" idx="4294967295"/>
+          </p:nvPr>
         </p:nvPicPr>
-        <p:blipFill>
+        <p:blipFill rotWithShape="1">
           <a:blip r:embed="rId3">
             <a:alphaModFix/>
           </a:blip>
-          <a:stretch>
-            <a:fillRect/>
-          </a:stretch>
+          <a:srcRect/>
+          <a:stretch/>
         </p:blipFill>
         <p:spPr>
           <a:xfrm>
-            <a:off x="415600" y="1635483"/>
-            <a:ext cx="11360803" cy="2579484"/>
+            <a:off x="7021160" y="1790259"/>
+            <a:ext cx="4351200" cy="4351200"/>
           </a:xfrm>
           <a:prstGeom prst="rect">
             <a:avLst/>
@@ -9108,190 +11093,269 @@
           </a:ln>
         </p:spPr>
       </p:pic>
-      <p:sp>
-        <p:nvSpPr>
-          <p:cNvPr id="257" name="Google Shape;257;p37"/>
+    </p:spTree>
+  </p:cSld>
+  <p:clrMapOvr>
+    <a:masterClrMapping/>
+  </p:clrMapOvr>
+</p:sld>
+</file>
+
+<file path=ppt/slides/slide23.xml><?xml version="1.0" encoding="utf-8"?>
+<p:sld xmlns:a="http://schemas.openxmlformats.org/drawingml/2006/main" xmlns:r="http://schemas.openxmlformats.org/officeDocument/2006/relationships" xmlns:p="http://schemas.openxmlformats.org/presentationml/2006/main">
+  <p:cSld>
+    <p:spTree>
+      <p:nvGrpSpPr>
+        <p:cNvPr id="1" name="Shape 154"/>
+        <p:cNvGrpSpPr/>
+        <p:nvPr/>
+      </p:nvGrpSpPr>
+      <p:grpSpPr>
+        <a:xfrm>
+          <a:off x="0" y="0"/>
+          <a:ext cx="0" cy="0"/>
+          <a:chOff x="0" y="0"/>
+          <a:chExt cx="0" cy="0"/>
+        </a:xfrm>
+      </p:grpSpPr>
+      <p:sp>
+        <p:nvSpPr>
+          <p:cNvPr id="155" name="Google Shape;155;p26"/>
           <p:cNvSpPr txBox="1">
             <a:spLocks noGrp="1"/>
           </p:cNvSpPr>
           <p:nvPr>
-            <p:ph type="body" idx="1"/>
+            <p:ph type="title"/>
           </p:nvPr>
         </p:nvSpPr>
         <p:spPr>
           <a:xfrm>
-            <a:off x="415600" y="4214967"/>
-            <a:ext cx="11360800" cy="2242400"/>
+            <a:off x="839788" y="365125"/>
+            <a:ext cx="10515600" cy="1325600"/>
           </a:xfrm>
           <a:prstGeom prst="rect">
             <a:avLst/>
           </a:prstGeom>
+          <a:noFill/>
+          <a:ln>
+            <a:noFill/>
+          </a:ln>
         </p:spPr>
         <p:txBody>
-          <a:bodyPr spcFirstLastPara="1" vert="horz" wrap="square" lIns="121900" tIns="121900" rIns="121900" bIns="121900" rtlCol="0" anchor="t" anchorCtr="0">
-            <a:normAutofit fontScale="25000" lnSpcReduction="20000"/>
+          <a:bodyPr spcFirstLastPara="1" vert="horz" wrap="square" lIns="91433" tIns="45700" rIns="91433" bIns="45700" rtlCol="0" anchor="ctr" anchorCtr="0">
+            <a:normAutofit/>
           </a:bodyPr>
           <a:lstStyle/>
           <a:p>
-            <a:pPr marL="0" indent="0">
+            <a:pPr>
               <a:spcBef>
-                <a:spcPts val="2400"/>
-              </a:spcBef>
-              <a:buNone/>
-            </a:pPr>
-            <a:r>
-              <a:rPr lang="en-GB" sz="6400">
-                <a:solidFill>
-                  <a:srgbClr val="595959"/>
-                </a:solidFill>
-              </a:rPr>
-              <a:t>Intuition: as we try these tasks further out, things get muddier. If you’re an expert in 2010 what do you know about COVID, AlphaGo, South Sudan, etc?</a:t>
-            </a:r>
-            <a:endParaRPr sz="6400">
-              <a:solidFill>
-                <a:srgbClr val="595959"/>
-              </a:solidFill>
-            </a:endParaRPr>
-          </a:p>
-          <a:p>
-            <a:pPr marL="0" indent="0">
-              <a:spcBef>
-                <a:spcPts val="2400"/>
-              </a:spcBef>
-              <a:buNone/>
-            </a:pPr>
-            <a:r>
-              <a:rPr lang="en-GB" sz="6400">
-                <a:solidFill>
-                  <a:srgbClr val="595959"/>
-                </a:solidFill>
-              </a:rPr>
-              <a:t>Question: How to quantify this?</a:t>
-            </a:r>
-            <a:endParaRPr sz="6400">
-              <a:solidFill>
-                <a:srgbClr val="595959"/>
-              </a:solidFill>
-            </a:endParaRPr>
-          </a:p>
-          <a:p>
-            <a:pPr indent="-406390">
-              <a:spcBef>
-                <a:spcPts val="2400"/>
+                <a:spcPts val="0"/>
               </a:spcBef>
               <a:buClr>
-                <a:srgbClr val="595959"/>
+                <a:schemeClr val="dk1"/>
               </a:buClr>
-              <a:buSzPct val="100000"/>
-              <a:buChar char="-"/>
+              <a:buSzPts val="3300"/>
             </a:pPr>
             <a:r>
-              <a:rPr lang="en-GB" sz="6400">
-                <a:solidFill>
-                  <a:srgbClr val="595959"/>
-                </a:solidFill>
-              </a:rPr>
-              <a:t>LLM: Perplexity of SciBERT across different bins, BPE compressibility</a:t>
-            </a:r>
-            <a:endParaRPr sz="6400">
-              <a:solidFill>
-                <a:srgbClr val="595959"/>
-              </a:solidFill>
-            </a:endParaRPr>
-          </a:p>
-          <a:p>
-            <a:pPr indent="-406390">
-              <a:buClr>
-                <a:srgbClr val="595959"/>
-              </a:buClr>
-              <a:buSzPct val="100000"/>
-              <a:buChar char="-"/>
-            </a:pPr>
-            <a:r>
-              <a:rPr lang="en-GB" sz="6400">
-                <a:solidFill>
-                  <a:srgbClr val="595959"/>
-                </a:solidFill>
-              </a:rPr>
-              <a:t>Better Together Eval: task performance at y+1, y+2, y+n (</a:t>
-            </a:r>
-            <a:r>
-              <a:rPr lang="en-GB" sz="6400" b="1">
-                <a:solidFill>
-                  <a:srgbClr val="595959"/>
-                </a:solidFill>
-              </a:rPr>
-              <a:t>up to 2023</a:t>
-            </a:r>
-            <a:r>
-              <a:rPr lang="en-GB" sz="6400">
-                <a:solidFill>
-                  <a:srgbClr val="595959"/>
-                </a:solidFill>
-              </a:rPr>
-              <a:t>*)</a:t>
-            </a:r>
-            <a:endParaRPr sz="6400">
-              <a:solidFill>
-                <a:srgbClr val="595959"/>
-              </a:solidFill>
-            </a:endParaRPr>
-          </a:p>
-          <a:p>
-            <a:pPr marL="0" indent="0">
+              <a:rPr lang="en-GB"/>
+              <a:t>Better Together Evaluation</a:t>
+            </a:r>
+            <a:endParaRPr/>
+          </a:p>
+        </p:txBody>
+      </p:sp>
+      <p:sp>
+        <p:nvSpPr>
+          <p:cNvPr id="156" name="Google Shape;156;p26"/>
+          <p:cNvSpPr txBox="1">
+            <a:spLocks noGrp="1"/>
+          </p:cNvSpPr>
+          <p:nvPr>
+            <p:ph type="body" idx="3"/>
+          </p:nvPr>
+        </p:nvSpPr>
+        <p:spPr>
+          <a:xfrm>
+            <a:off x="839800" y="1773229"/>
+            <a:ext cx="5183200" cy="824000"/>
+          </a:xfrm>
+          <a:prstGeom prst="rect">
+            <a:avLst/>
+          </a:prstGeom>
+          <a:noFill/>
+          <a:ln>
+            <a:noFill/>
+          </a:ln>
+        </p:spPr>
+        <p:txBody>
+          <a:bodyPr spcFirstLastPara="1" vert="horz" wrap="square" lIns="91433" tIns="45700" rIns="91433" bIns="45700" rtlCol="0" anchor="b" anchorCtr="0">
+            <a:normAutofit/>
+          </a:bodyPr>
+          <a:lstStyle/>
+          <a:p>
+            <a:pPr>
               <a:spcBef>
-                <a:spcPts val="2400"/>
-              </a:spcBef>
-              <a:buNone/>
-            </a:pPr>
-            <a:endParaRPr sz="7466">
-              <a:solidFill>
-                <a:schemeClr val="dk1"/>
-              </a:solidFill>
-            </a:endParaRPr>
-          </a:p>
-          <a:p>
-            <a:pPr marL="0" indent="0">
-              <a:spcBef>
-                <a:spcPts val="2400"/>
-              </a:spcBef>
-              <a:buNone/>
-            </a:pPr>
-            <a:endParaRPr sz="7466">
-              <a:solidFill>
-                <a:schemeClr val="dk1"/>
-              </a:solidFill>
-            </a:endParaRPr>
-          </a:p>
-          <a:p>
-            <a:pPr marL="0" indent="0">
-              <a:spcBef>
-                <a:spcPts val="2400"/>
-              </a:spcBef>
-              <a:buNone/>
-            </a:pPr>
-            <a:endParaRPr/>
-          </a:p>
-          <a:p>
-            <a:pPr marL="0" indent="0">
-              <a:spcBef>
-                <a:spcPts val="2400"/>
-              </a:spcBef>
-              <a:buNone/>
-            </a:pPr>
-            <a:endParaRPr/>
-          </a:p>
-          <a:p>
-            <a:pPr marL="0" indent="0">
-              <a:spcBef>
-                <a:spcPts val="2400"/>
+                <a:spcPts val="0"/>
               </a:spcBef>
               <a:spcAft>
-                <a:spcPts val="800"/>
+                <a:spcPts val="1600"/>
               </a:spcAft>
-              <a:buNone/>
+              <a:buClr>
+                <a:schemeClr val="dk1"/>
+              </a:buClr>
+              <a:buSzPts val="1800"/>
             </a:pPr>
+            <a:r>
+              <a:rPr lang="en-GB"/>
+              <a:t>Evaluation Desiderata</a:t>
+            </a:r>
             <a:endParaRPr/>
+          </a:p>
+        </p:txBody>
+      </p:sp>
+      <p:sp>
+        <p:nvSpPr>
+          <p:cNvPr id="157" name="Google Shape;157;p26"/>
+          <p:cNvSpPr txBox="1">
+            <a:spLocks noGrp="1"/>
+          </p:cNvSpPr>
+          <p:nvPr>
+            <p:ph type="body" idx="4"/>
+          </p:nvPr>
+        </p:nvSpPr>
+        <p:spPr>
+          <a:xfrm>
+            <a:off x="839800" y="2597133"/>
+            <a:ext cx="10756400" cy="3684800"/>
+          </a:xfrm>
+          <a:prstGeom prst="rect">
+            <a:avLst/>
+          </a:prstGeom>
+          <a:noFill/>
+          <a:ln>
+            <a:noFill/>
+          </a:ln>
+        </p:spPr>
+        <p:txBody>
+          <a:bodyPr spcFirstLastPara="1" vert="horz" wrap="square" lIns="91433" tIns="45700" rIns="91433" bIns="45700" rtlCol="0" anchor="t" anchorCtr="0">
+            <a:normAutofit/>
+          </a:bodyPr>
+          <a:lstStyle/>
+          <a:p>
+            <a:pPr marL="609585" indent="-397923">
+              <a:spcBef>
+                <a:spcPts val="533"/>
+              </a:spcBef>
+              <a:buSzPts val="1100"/>
+              <a:buChar char="●"/>
+            </a:pPr>
+            <a:r>
+              <a:rPr lang="en-GB" sz="2000"/>
+              <a:t>Evaluation data must be causal</a:t>
+            </a:r>
+            <a:endParaRPr sz="2000"/>
+          </a:p>
+          <a:p>
+            <a:pPr marL="1219170" lvl="1" indent="-431789">
+              <a:spcBef>
+                <a:spcPts val="0"/>
+              </a:spcBef>
+              <a:buSzPts val="1500"/>
+              <a:buChar char="○"/>
+            </a:pPr>
+            <a:r>
+              <a:rPr lang="en-GB" sz="2000"/>
+              <a:t>Graph is partitioned by date such that models cannot peek forwards in time (where possible)</a:t>
+            </a:r>
+            <a:endParaRPr sz="2000"/>
+          </a:p>
+          <a:p>
+            <a:pPr marL="609585" indent="-423323">
+              <a:spcBef>
+                <a:spcPts val="0"/>
+              </a:spcBef>
+              <a:buSzPts val="1400"/>
+              <a:buChar char="●"/>
+            </a:pPr>
+            <a:r>
+              <a:rPr lang="en-GB" sz="2000"/>
+              <a:t>Evaluation should check capability</a:t>
+            </a:r>
+            <a:r>
+              <a:rPr lang="en-GB"/>
+              <a:t> </a:t>
+            </a:r>
+            <a:endParaRPr/>
+          </a:p>
+          <a:p>
+            <a:pPr marL="1219170" lvl="1" indent="-431789">
+              <a:spcBef>
+                <a:spcPts val="0"/>
+              </a:spcBef>
+              <a:buSzPts val="1500"/>
+              <a:buChar char="○"/>
+            </a:pPr>
+            <a:r>
+              <a:rPr lang="en-GB" sz="2000"/>
+              <a:t>With the same tools we use to partition train-test, we make bins which record how far out each prediction is</a:t>
+            </a:r>
+            <a:endParaRPr sz="2000"/>
+          </a:p>
+          <a:p>
+            <a:pPr marL="609585" indent="-431789">
+              <a:spcBef>
+                <a:spcPts val="0"/>
+              </a:spcBef>
+              <a:buSzPts val="1500"/>
+              <a:buChar char="●"/>
+            </a:pPr>
+            <a:r>
+              <a:rPr lang="en-GB" sz="2000"/>
+              <a:t>Evaluation data must be updatable (in two years, literature will have changed)</a:t>
+            </a:r>
+            <a:endParaRPr sz="2000"/>
+          </a:p>
+          <a:p>
+            <a:pPr marL="1219170" lvl="1" indent="-431789">
+              <a:spcBef>
+                <a:spcPts val="0"/>
+              </a:spcBef>
+              <a:buSzPts val="1500"/>
+              <a:buChar char="○"/>
+            </a:pPr>
+            <a:r>
+              <a:rPr lang="en-GB" sz="2000"/>
+              <a:t>We create our evaluation as a pipeline against large-scale maintained data-sources to make updates as straightforward as possible</a:t>
+            </a:r>
+            <a:endParaRPr sz="2000"/>
+          </a:p>
+          <a:p>
+            <a:pPr marL="609585" indent="-431789">
+              <a:spcBef>
+                <a:spcPts val="0"/>
+              </a:spcBef>
+              <a:buSzPts val="1500"/>
+              <a:buChar char="●"/>
+            </a:pPr>
+            <a:r>
+              <a:rPr lang="en-GB" sz="2000"/>
+              <a:t>Evaluation tasks should reflect a real-world use, not some arbitrary Benchmark task</a:t>
+            </a:r>
+            <a:endParaRPr sz="2000"/>
+          </a:p>
+          <a:p>
+            <a:pPr marL="1219170" lvl="1" indent="-431789">
+              <a:spcBef>
+                <a:spcPts val="0"/>
+              </a:spcBef>
+              <a:buSzPts val="1500"/>
+              <a:buChar char="○"/>
+            </a:pPr>
+            <a:r>
+              <a:rPr lang="en-GB" sz="2000"/>
+              <a:t>We pick a set of evaluation tasks which would be of use to Academic Document authors</a:t>
+            </a:r>
+            <a:endParaRPr sz="2000"/>
           </a:p>
         </p:txBody>
       </p:sp>
